--- a/review paper/Presentation.pptx
+++ b/review paper/Presentation.pptx
@@ -5,7 +5,7 @@
     <p:sldMasterId id="2147483660" r:id="rId1"/>
   </p:sldMasterIdLst>
   <p:notesMasterIdLst>
-    <p:notesMasterId r:id="rId16"/>
+    <p:notesMasterId r:id="rId17"/>
   </p:notesMasterIdLst>
   <p:sldIdLst>
     <p:sldId id="256" r:id="rId2"/>
@@ -20,8 +20,9 @@
     <p:sldId id="2621" r:id="rId11"/>
     <p:sldId id="2612" r:id="rId12"/>
     <p:sldId id="2613" r:id="rId13"/>
-    <p:sldId id="2620" r:id="rId14"/>
-    <p:sldId id="2593" r:id="rId15"/>
+    <p:sldId id="2622" r:id="rId14"/>
+    <p:sldId id="2620" r:id="rId15"/>
+    <p:sldId id="2623" r:id="rId16"/>
   </p:sldIdLst>
   <p:sldSz cx="12192000" cy="6858000"/>
   <p:notesSz cx="6858000" cy="9144000"/>
@@ -10602,7 +10603,7 @@
                 <a:schemeClr val="tx1"/>
               </a:solidFill>
             </a:rPr>
-            <a:t>No system filters</a:t>
+            <a:t>No filters</a:t>
           </a:r>
           <a:r>
             <a:rPr lang="en-US" dirty="0">
@@ -10610,7 +10611,23 @@
                 <a:schemeClr val="tx1"/>
               </a:solidFill>
             </a:rPr>
-            <a:t> low-confidence outputs for targeted human review.</a:t>
+            <a:t> targeting </a:t>
+          </a:r>
+          <a:r>
+            <a:rPr lang="en-US" b="1" dirty="0">
+              <a:solidFill>
+                <a:schemeClr val="tx1"/>
+              </a:solidFill>
+            </a:rPr>
+            <a:t>low-confidence outputs </a:t>
+          </a:r>
+          <a:r>
+            <a:rPr lang="en-US" dirty="0">
+              <a:solidFill>
+                <a:schemeClr val="tx1"/>
+              </a:solidFill>
+            </a:rPr>
+            <a:t>for targeted human review.</a:t>
           </a:r>
         </a:p>
       </dgm:t>
@@ -10649,7 +10666,7 @@
           </a:pPr>
           <a:r>
             <a:rPr lang="en-US" b="1" dirty="0"/>
-            <a:t>🧾 Poor Traceability</a:t>
+            <a:t>🧾 Limited Traceability</a:t>
           </a:r>
           <a:endParaRPr lang="en-US" dirty="0"/>
         </a:p>
@@ -10690,7 +10707,7 @@
                 <a:schemeClr val="tx1"/>
               </a:solidFill>
             </a:rPr>
-            <a:t>No centralized versioned log</a:t>
+            <a:t>Limited centralized persistent log</a:t>
           </a:r>
           <a:r>
             <a:rPr lang="en-US" dirty="0">
@@ -10732,14 +10749,6 @@
         <a:bodyPr/>
         <a:lstStyle/>
         <a:p>
-          <a:r>
-            <a:rPr lang="en-US" dirty="0">
-              <a:solidFill>
-                <a:schemeClr val="tx1"/>
-              </a:solidFill>
-            </a:rPr>
-            <a:t>Current tools like </a:t>
-          </a:r>
           <a:r>
             <a:rPr lang="en-US" dirty="0" err="1">
               <a:solidFill>
@@ -10850,23 +10859,7 @@
                 <a:schemeClr val="tx1"/>
               </a:solidFill>
             </a:rPr>
-            <a:t> log data locally (SQLite, JSON), but it’s easily </a:t>
-          </a:r>
-          <a:r>
-            <a:rPr lang="en-US" b="1" dirty="0">
-              <a:solidFill>
-                <a:schemeClr val="tx1"/>
-              </a:solidFill>
-            </a:rPr>
-            <a:t>overwritten or forked</a:t>
-          </a:r>
-          <a:r>
-            <a:rPr lang="en-US" dirty="0">
-              <a:solidFill>
-                <a:schemeClr val="tx1"/>
-              </a:solidFill>
-            </a:rPr>
-            <a:t>.</a:t>
+            <a:t> log data locally (SQLite, JSON)</a:t>
           </a:r>
         </a:p>
       </dgm:t>
@@ -10905,7 +10898,7 @@
           </a:pPr>
           <a:r>
             <a:rPr lang="en-US" b="1" dirty="0"/>
-            <a:t>🔁 Weak Reproducibility and Scalability</a:t>
+            <a:t>🔁 Limited Scalability</a:t>
           </a:r>
           <a:endParaRPr lang="en-US" dirty="0"/>
         </a:p>
@@ -10945,12 +10938,44 @@
             <a:buChar char="•"/>
           </a:pPr>
           <a:r>
-            <a:rPr lang="en-US">
+            <a:rPr lang="en-US" dirty="0" err="1">
               <a:solidFill>
                 <a:schemeClr val="tx1"/>
               </a:solidFill>
             </a:rPr>
-            <a:t>Only ChatEval and MutaBot use Docker/GitLab-CI for partial automation.</a:t>
+            <a:t>ChatEval</a:t>
+          </a:r>
+          <a:r>
+            <a:rPr lang="en-US" dirty="0">
+              <a:solidFill>
+                <a:schemeClr val="tx1"/>
+              </a:solidFill>
+            </a:rPr>
+            <a:t> and </a:t>
+          </a:r>
+          <a:r>
+            <a:rPr lang="en-US" dirty="0" err="1">
+              <a:solidFill>
+                <a:schemeClr val="tx1"/>
+              </a:solidFill>
+            </a:rPr>
+            <a:t>MutaBot</a:t>
+          </a:r>
+          <a:r>
+            <a:rPr lang="en-US" dirty="0">
+              <a:solidFill>
+                <a:schemeClr val="tx1"/>
+              </a:solidFill>
+            </a:rPr>
+            <a:t> use </a:t>
+          </a:r>
+          <a:r>
+            <a:rPr lang="en-US" b="1" dirty="0">
+              <a:solidFill>
+                <a:schemeClr val="tx1"/>
+              </a:solidFill>
+            </a:rPr>
+            <a:t>Docker/GitLab-CI</a:t>
           </a:r>
           <a:endParaRPr lang="en-US" dirty="0">
             <a:solidFill>
@@ -11007,16 +11032,13 @@
                 <a:schemeClr val="tx1"/>
               </a:solidFill>
             </a:rPr>
-            <a:t>manual Python setups or vendor platforms</a:t>
+            <a:t>manual Python setups.</a:t>
           </a:r>
-          <a:r>
-            <a:rPr lang="en-US" dirty="0">
-              <a:solidFill>
-                <a:schemeClr val="tx1"/>
-              </a:solidFill>
-            </a:rPr>
-            <a:t>, making it hard to rerun older tests.</a:t>
-          </a:r>
+          <a:endParaRPr lang="en-US" dirty="0">
+            <a:solidFill>
+              <a:schemeClr val="tx1"/>
+            </a:solidFill>
+          </a:endParaRPr>
         </a:p>
       </dgm:t>
     </dgm:pt>
@@ -11299,10 +11321,10 @@
         <a:lstStyle/>
         <a:p>
           <a:r>
-            <a:rPr lang="en-US" b="1"/>
+            <a:rPr lang="en-US" b="1" dirty="0"/>
             <a:t>🗂️ Full Test Traceability</a:t>
           </a:r>
-          <a:endParaRPr lang="en-US"/>
+          <a:endParaRPr lang="en-US" dirty="0"/>
         </a:p>
       </dgm:t>
     </dgm:pt>
@@ -11416,10 +11438,10 @@
         <a:lstStyle/>
         <a:p>
           <a:r>
-            <a:rPr lang="en-US" b="1"/>
-            <a:t>🐳 Reproducible Docker Stack</a:t>
+            <a:rPr lang="en-US" b="1" dirty="0"/>
+            <a:t>🐳 Scalable Docker Stack</a:t>
           </a:r>
-          <a:endParaRPr lang="en-US"/>
+          <a:endParaRPr lang="en-US" dirty="0"/>
         </a:p>
       </dgm:t>
     </dgm:pt>
@@ -11851,7 +11873,15 @@
           </a:pPr>
           <a:r>
             <a:rPr lang="en-US" sz="2400" dirty="0"/>
-            <a:t>Through the analysis of existing tools, we point out a gap in ensuring the truthfulness and reliability of AI chatbot interactions within modern web applications.</a:t>
+            <a:t>Through the analysis of existing tools, we point out a </a:t>
+          </a:r>
+          <a:r>
+            <a:rPr lang="en-US" sz="2400" b="1" dirty="0"/>
+            <a:t>gap in ensuring the truthfulness</a:t>
+          </a:r>
+          <a:r>
+            <a:rPr lang="en-US" sz="2400" dirty="0"/>
+            <a:t> and reliability of AI chatbot interactions within modern web applications.</a:t>
           </a:r>
         </a:p>
       </dgm:t>
@@ -11891,8 +11921,32 @@
             </a:lnSpc>
           </a:pPr>
           <a:r>
-            <a:rPr lang="en-US" sz="2400"/>
-            <a:t>Through the design of a semi-automated human-in-the-loop framework (FactBridgeAI), we aim to contribute to more trustworthy, testable, and web-integrated conversational systems.</a:t>
+            <a:rPr lang="en-US" sz="2400" dirty="0"/>
+            <a:t>Through the design of a </a:t>
+          </a:r>
+          <a:r>
+            <a:rPr lang="en-US" sz="2400" b="1" dirty="0"/>
+            <a:t>semi-automated</a:t>
+          </a:r>
+          <a:r>
+            <a:rPr lang="en-US" sz="2400" dirty="0"/>
+            <a:t> </a:t>
+          </a:r>
+          <a:r>
+            <a:rPr lang="en-US" sz="2400" b="1" dirty="0"/>
+            <a:t>human-in-the-loop</a:t>
+          </a:r>
+          <a:r>
+            <a:rPr lang="en-US" sz="2400" dirty="0"/>
+            <a:t> framework (</a:t>
+          </a:r>
+          <a:r>
+            <a:rPr lang="en-US" sz="2400" dirty="0" err="1"/>
+            <a:t>FactBridgeAI</a:t>
+          </a:r>
+          <a:r>
+            <a:rPr lang="en-US" sz="2400" dirty="0"/>
+            <a:t>), we aim to contribute to more trustworthy, testable, and web-integrated conversational systems.</a:t>
           </a:r>
         </a:p>
       </dgm:t>
@@ -17419,8 +17473,8 @@
       </dsp:nvSpPr>
       <dsp:spPr>
         <a:xfrm>
-          <a:off x="5447" y="237259"/>
-          <a:ext cx="2786513" cy="658350"/>
+          <a:off x="5447" y="212205"/>
+          <a:ext cx="2786513" cy="1110037"/>
         </a:xfrm>
         <a:prstGeom prst="rect">
           <a:avLst/>
@@ -17444,12 +17498,12 @@
         <a:fontRef idx="minor"/>
       </dsp:style>
       <dsp:txBody>
-        <a:bodyPr spcFirstLastPara="0" vert="horz" wrap="square" lIns="135128" tIns="48260" rIns="135128" bIns="48260" numCol="1" spcCol="1270" anchor="ctr" anchorCtr="0">
+        <a:bodyPr spcFirstLastPara="0" vert="horz" wrap="square" lIns="163576" tIns="58420" rIns="163576" bIns="58420" numCol="1" spcCol="1270" anchor="ctr" anchorCtr="0">
           <a:noAutofit/>
         </a:bodyPr>
         <a:lstStyle/>
         <a:p>
-          <a:pPr marL="0" lvl="0" indent="0" algn="r" defTabSz="844550">
+          <a:pPr marL="0" lvl="0" indent="0" algn="r" defTabSz="1022350">
             <a:lnSpc>
               <a:spcPct val="90000"/>
             </a:lnSpc>
@@ -17462,15 +17516,15 @@
             <a:buNone/>
           </a:pPr>
           <a:r>
-            <a:rPr lang="en-US" sz="1900" b="1" kern="1200" dirty="0"/>
+            <a:rPr lang="en-US" sz="2300" b="1" kern="1200" dirty="0"/>
             <a:t>❌ Human Review Misallocation</a:t>
           </a:r>
-          <a:endParaRPr lang="en-US" sz="1900" kern="1200" dirty="0"/>
+          <a:endParaRPr lang="en-US" sz="2300" kern="1200" dirty="0"/>
         </a:p>
       </dsp:txBody>
       <dsp:txXfrm>
-        <a:off x="5447" y="237259"/>
-        <a:ext cx="2786513" cy="658350"/>
+        <a:off x="5447" y="212205"/>
+        <a:ext cx="2786513" cy="1110037"/>
       </dsp:txXfrm>
     </dsp:sp>
     <dsp:sp modelId="{240BA723-D885-410B-AC28-CA07FB0F23D8}">
@@ -17480,8 +17534,8 @@
       </dsp:nvSpPr>
       <dsp:spPr>
         <a:xfrm>
-          <a:off x="2791961" y="72672"/>
-          <a:ext cx="557302" cy="987525"/>
+          <a:off x="2791961" y="4073"/>
+          <a:ext cx="557302" cy="1526301"/>
         </a:xfrm>
         <a:prstGeom prst="leftBrace">
           <a:avLst>
@@ -17525,8 +17579,8 @@
       </dsp:nvSpPr>
       <dsp:spPr>
         <a:xfrm>
-          <a:off x="3572185" y="72672"/>
-          <a:ext cx="7579317" cy="987525"/>
+          <a:off x="3572185" y="4073"/>
+          <a:ext cx="7579317" cy="1526301"/>
         </a:xfrm>
         <a:prstGeom prst="rect">
           <a:avLst/>
@@ -17568,12 +17622,12 @@
         </a:fontRef>
       </dsp:style>
       <dsp:txBody>
-        <a:bodyPr spcFirstLastPara="0" vert="horz" wrap="square" lIns="72390" tIns="72390" rIns="72390" bIns="72390" numCol="1" spcCol="1270" anchor="ctr" anchorCtr="0">
+        <a:bodyPr spcFirstLastPara="0" vert="horz" wrap="square" lIns="87630" tIns="87630" rIns="87630" bIns="87630" numCol="1" spcCol="1270" anchor="ctr" anchorCtr="0">
           <a:noAutofit/>
         </a:bodyPr>
         <a:lstStyle/>
         <a:p>
-          <a:pPr marL="171450" lvl="1" indent="-171450" algn="l" defTabSz="844550">
+          <a:pPr marL="228600" lvl="1" indent="-228600" algn="l" defTabSz="1022350">
             <a:lnSpc>
               <a:spcPct val="90000"/>
             </a:lnSpc>
@@ -17586,24 +17640,40 @@
             <a:buChar char="•"/>
           </a:pPr>
           <a:r>
-            <a:rPr lang="en-US" sz="1900" b="1" kern="1200" dirty="0">
+            <a:rPr lang="en-US" sz="2300" b="1" kern="1200" dirty="0">
               <a:solidFill>
                 <a:schemeClr val="tx1"/>
               </a:solidFill>
             </a:rPr>
-            <a:t>No system filters</a:t>
+            <a:t>No filters</a:t>
           </a:r>
           <a:r>
-            <a:rPr lang="en-US" sz="1900" kern="1200" dirty="0">
+            <a:rPr lang="en-US" sz="2300" kern="1200" dirty="0">
               <a:solidFill>
                 <a:schemeClr val="tx1"/>
               </a:solidFill>
             </a:rPr>
-            <a:t> low-confidence outputs for targeted human review.</a:t>
+            <a:t> targeting </a:t>
+          </a:r>
+          <a:r>
+            <a:rPr lang="en-US" sz="2300" b="1" kern="1200" dirty="0">
+              <a:solidFill>
+                <a:schemeClr val="tx1"/>
+              </a:solidFill>
+            </a:rPr>
+            <a:t>low-confidence outputs </a:t>
+          </a:r>
+          <a:r>
+            <a:rPr lang="en-US" sz="2300" kern="1200" dirty="0">
+              <a:solidFill>
+                <a:schemeClr val="tx1"/>
+              </a:solidFill>
+            </a:rPr>
+            <a:t>for targeted human review.</a:t>
           </a:r>
         </a:p>
         <a:p>
-          <a:pPr marL="171450" lvl="1" indent="-171450" algn="l" defTabSz="844550">
+          <a:pPr marL="228600" lvl="1" indent="-228600" algn="l" defTabSz="1022350">
             <a:lnSpc>
               <a:spcPct val="90000"/>
             </a:lnSpc>
@@ -17616,15 +17686,7 @@
             <a:buChar char="•"/>
           </a:pPr>
           <a:r>
-            <a:rPr lang="en-US" sz="1900" kern="1200" dirty="0">
-              <a:solidFill>
-                <a:schemeClr val="tx1"/>
-              </a:solidFill>
-            </a:rPr>
-            <a:t>Current tools like </a:t>
-          </a:r>
-          <a:r>
-            <a:rPr lang="en-US" sz="1900" kern="1200" dirty="0" err="1">
+            <a:rPr lang="en-US" sz="2300" kern="1200" dirty="0" err="1">
               <a:solidFill>
                 <a:schemeClr val="tx1"/>
               </a:solidFill>
@@ -17632,7 +17694,7 @@
             <a:t>ChatClimate</a:t>
           </a:r>
           <a:r>
-            <a:rPr lang="en-US" sz="1900" kern="1200" dirty="0">
+            <a:rPr lang="en-US" sz="2300" kern="1200" dirty="0">
               <a:solidFill>
                 <a:schemeClr val="tx1"/>
               </a:solidFill>
@@ -17640,7 +17702,7 @@
             <a:t> and </a:t>
           </a:r>
           <a:r>
-            <a:rPr lang="en-US" sz="1900" kern="1200" dirty="0" err="1">
+            <a:rPr lang="en-US" sz="2300" kern="1200" dirty="0" err="1">
               <a:solidFill>
                 <a:schemeClr val="tx1"/>
               </a:solidFill>
@@ -17648,7 +17710,7 @@
             <a:t>TruthfulQA</a:t>
           </a:r>
           <a:r>
-            <a:rPr lang="en-US" sz="1900" kern="1200" dirty="0">
+            <a:rPr lang="en-US" sz="2300" kern="1200" dirty="0">
               <a:solidFill>
                 <a:schemeClr val="tx1"/>
               </a:solidFill>
@@ -17656,7 +17718,7 @@
             <a:t> use humans </a:t>
           </a:r>
           <a:r>
-            <a:rPr lang="en-US" sz="1900" b="1" kern="1200" dirty="0">
+            <a:rPr lang="en-US" sz="2300" b="1" kern="1200" dirty="0">
               <a:solidFill>
                 <a:schemeClr val="tx1"/>
               </a:solidFill>
@@ -17664,7 +17726,7 @@
             <a:t>for all answers</a:t>
           </a:r>
           <a:r>
-            <a:rPr lang="en-US" sz="1900" kern="1200" dirty="0">
+            <a:rPr lang="en-US" sz="2300" kern="1200" dirty="0">
               <a:solidFill>
                 <a:schemeClr val="tx1"/>
               </a:solidFill>
@@ -17674,8 +17736,8 @@
         </a:p>
       </dsp:txBody>
       <dsp:txXfrm>
-        <a:off x="3572185" y="72672"/>
-        <a:ext cx="7579317" cy="987525"/>
+        <a:off x="3572185" y="4073"/>
+        <a:ext cx="7579317" cy="1526301"/>
       </dsp:txXfrm>
     </dsp:sp>
     <dsp:sp modelId="{72EC7279-E091-446E-8C3C-D8217377E9D9}">
@@ -17685,8 +17747,8 @@
       </dsp:nvSpPr>
       <dsp:spPr>
         <a:xfrm>
-          <a:off x="5447" y="1552924"/>
-          <a:ext cx="2786513" cy="387956"/>
+          <a:off x="5447" y="1812412"/>
+          <a:ext cx="2786513" cy="796950"/>
         </a:xfrm>
         <a:prstGeom prst="rect">
           <a:avLst/>
@@ -17710,12 +17772,12 @@
         <a:fontRef idx="minor"/>
       </dsp:style>
       <dsp:txBody>
-        <a:bodyPr spcFirstLastPara="0" vert="horz" wrap="square" lIns="135128" tIns="48260" rIns="135128" bIns="48260" numCol="1" spcCol="1270" anchor="ctr" anchorCtr="0">
+        <a:bodyPr spcFirstLastPara="0" vert="horz" wrap="square" lIns="163576" tIns="58420" rIns="163576" bIns="58420" numCol="1" spcCol="1270" anchor="ctr" anchorCtr="0">
           <a:noAutofit/>
         </a:bodyPr>
         <a:lstStyle/>
         <a:p>
-          <a:pPr marL="0" lvl="0" indent="0" algn="r" defTabSz="844550">
+          <a:pPr marL="0" lvl="0" indent="0" algn="r" defTabSz="1022350">
             <a:lnSpc>
               <a:spcPct val="90000"/>
             </a:lnSpc>
@@ -17728,15 +17790,15 @@
             <a:buNone/>
           </a:pPr>
           <a:r>
-            <a:rPr lang="en-US" sz="1900" b="1" kern="1200" dirty="0"/>
-            <a:t>🧾 Poor Traceability</a:t>
+            <a:rPr lang="en-US" sz="2300" b="1" kern="1200" dirty="0"/>
+            <a:t>🧾 Limited Traceability</a:t>
           </a:r>
-          <a:endParaRPr lang="en-US" sz="1900" kern="1200" dirty="0"/>
+          <a:endParaRPr lang="en-US" sz="2300" kern="1200" dirty="0"/>
         </a:p>
       </dsp:txBody>
       <dsp:txXfrm>
-        <a:off x="5447" y="1552924"/>
-        <a:ext cx="2786513" cy="387956"/>
+        <a:off x="5447" y="1812412"/>
+        <a:ext cx="2786513" cy="796950"/>
       </dsp:txXfrm>
     </dsp:sp>
     <dsp:sp modelId="{AC5244A0-EC14-4BD6-8A74-FD6215C84D6C}">
@@ -17746,8 +17808,8 @@
       </dsp:nvSpPr>
       <dsp:spPr>
         <a:xfrm>
-          <a:off x="2791961" y="1128597"/>
-          <a:ext cx="557302" cy="1236610"/>
+          <a:off x="2791961" y="1613175"/>
+          <a:ext cx="557302" cy="1195425"/>
         </a:xfrm>
         <a:prstGeom prst="leftBrace">
           <a:avLst>
@@ -17791,8 +17853,8 @@
       </dsp:nvSpPr>
       <dsp:spPr>
         <a:xfrm>
-          <a:off x="3572185" y="1128597"/>
-          <a:ext cx="7579317" cy="1236610"/>
+          <a:off x="3572185" y="1613175"/>
+          <a:ext cx="7579317" cy="1195425"/>
         </a:xfrm>
         <a:prstGeom prst="rect">
           <a:avLst/>
@@ -17834,12 +17896,12 @@
         </a:fontRef>
       </dsp:style>
       <dsp:txBody>
-        <a:bodyPr spcFirstLastPara="0" vert="horz" wrap="square" lIns="72390" tIns="72390" rIns="72390" bIns="72390" numCol="1" spcCol="1270" anchor="ctr" anchorCtr="0">
+        <a:bodyPr spcFirstLastPara="0" vert="horz" wrap="square" lIns="87630" tIns="87630" rIns="87630" bIns="87630" numCol="1" spcCol="1270" anchor="ctr" anchorCtr="0">
           <a:noAutofit/>
         </a:bodyPr>
         <a:lstStyle/>
         <a:p>
-          <a:pPr marL="171450" lvl="1" indent="-171450" algn="l" defTabSz="844550">
+          <a:pPr marL="228600" lvl="1" indent="-228600" algn="l" defTabSz="1022350">
             <a:lnSpc>
               <a:spcPct val="90000"/>
             </a:lnSpc>
@@ -17852,15 +17914,15 @@
             <a:buChar char="•"/>
           </a:pPr>
           <a:r>
-            <a:rPr lang="en-US" sz="1900" b="1" kern="1200" dirty="0">
+            <a:rPr lang="en-US" sz="2300" b="1" kern="1200" dirty="0">
               <a:solidFill>
                 <a:schemeClr val="tx1"/>
               </a:solidFill>
             </a:rPr>
-            <a:t>No centralized versioned log</a:t>
+            <a:t>Limited centralized persistent log</a:t>
           </a:r>
           <a:r>
-            <a:rPr lang="en-US" sz="1900" kern="1200" dirty="0">
+            <a:rPr lang="en-US" sz="2300" kern="1200" dirty="0">
               <a:solidFill>
                 <a:schemeClr val="tx1"/>
               </a:solidFill>
@@ -17869,7 +17931,7 @@
           </a:r>
         </a:p>
         <a:p>
-          <a:pPr marL="171450" lvl="1" indent="-171450" algn="l" defTabSz="844550">
+          <a:pPr marL="228600" lvl="1" indent="-228600" algn="l" defTabSz="1022350">
             <a:lnSpc>
               <a:spcPct val="90000"/>
             </a:lnSpc>
@@ -17882,7 +17944,7 @@
             <a:buChar char="•"/>
           </a:pPr>
           <a:r>
-            <a:rPr lang="en-US" sz="1900" kern="1200" dirty="0" err="1">
+            <a:rPr lang="en-US" sz="2300" kern="1200" dirty="0" err="1">
               <a:solidFill>
                 <a:schemeClr val="tx1"/>
               </a:solidFill>
@@ -17890,7 +17952,7 @@
             <a:t>Bottester</a:t>
           </a:r>
           <a:r>
-            <a:rPr lang="en-US" sz="1900" kern="1200" dirty="0">
+            <a:rPr lang="en-US" sz="2300" kern="1200" dirty="0">
               <a:solidFill>
                 <a:schemeClr val="tx1"/>
               </a:solidFill>
@@ -17898,7 +17960,7 @@
             <a:t> and </a:t>
           </a:r>
           <a:r>
-            <a:rPr lang="en-US" sz="1900" kern="1200" dirty="0" err="1">
+            <a:rPr lang="en-US" sz="2300" kern="1200" dirty="0" err="1">
               <a:solidFill>
                 <a:schemeClr val="tx1"/>
               </a:solidFill>
@@ -17906,34 +17968,18 @@
             <a:t>OggyBug</a:t>
           </a:r>
           <a:r>
-            <a:rPr lang="en-US" sz="1900" kern="1200" dirty="0">
+            <a:rPr lang="en-US" sz="2300" kern="1200" dirty="0">
               <a:solidFill>
                 <a:schemeClr val="tx1"/>
               </a:solidFill>
             </a:rPr>
-            <a:t> log data locally (SQLite, JSON), but it’s easily </a:t>
-          </a:r>
-          <a:r>
-            <a:rPr lang="en-US" sz="1900" b="1" kern="1200" dirty="0">
-              <a:solidFill>
-                <a:schemeClr val="tx1"/>
-              </a:solidFill>
-            </a:rPr>
-            <a:t>overwritten or forked</a:t>
-          </a:r>
-          <a:r>
-            <a:rPr lang="en-US" sz="1900" kern="1200" dirty="0">
-              <a:solidFill>
-                <a:schemeClr val="tx1"/>
-              </a:solidFill>
-            </a:rPr>
-            <a:t>.</a:t>
+            <a:t> log data locally (SQLite, JSON)</a:t>
           </a:r>
         </a:p>
       </dsp:txBody>
       <dsp:txXfrm>
-        <a:off x="3572185" y="1128597"/>
-        <a:ext cx="7579317" cy="1236610"/>
+        <a:off x="3572185" y="1613175"/>
+        <a:ext cx="7579317" cy="1195425"/>
       </dsp:txXfrm>
     </dsp:sp>
     <dsp:sp modelId="{4DD84DBD-6330-4488-87D3-1B8A0D46B169}">
@@ -17943,8 +17989,8 @@
       </dsp:nvSpPr>
       <dsp:spPr>
         <a:xfrm>
-          <a:off x="5447" y="2605543"/>
-          <a:ext cx="2786513" cy="916987"/>
+          <a:off x="5447" y="2928757"/>
+          <a:ext cx="2786513" cy="796950"/>
         </a:xfrm>
         <a:prstGeom prst="rect">
           <a:avLst/>
@@ -17968,12 +18014,12 @@
         <a:fontRef idx="minor"/>
       </dsp:style>
       <dsp:txBody>
-        <a:bodyPr spcFirstLastPara="0" vert="horz" wrap="square" lIns="135128" tIns="48260" rIns="135128" bIns="48260" numCol="1" spcCol="1270" anchor="ctr" anchorCtr="0">
+        <a:bodyPr spcFirstLastPara="0" vert="horz" wrap="square" lIns="163576" tIns="58420" rIns="163576" bIns="58420" numCol="1" spcCol="1270" anchor="ctr" anchorCtr="0">
           <a:noAutofit/>
         </a:bodyPr>
         <a:lstStyle/>
         <a:p>
-          <a:pPr marL="0" lvl="0" indent="0" algn="r" defTabSz="844550">
+          <a:pPr marL="0" lvl="0" indent="0" algn="r" defTabSz="1022350">
             <a:lnSpc>
               <a:spcPct val="90000"/>
             </a:lnSpc>
@@ -17986,15 +18032,15 @@
             <a:buNone/>
           </a:pPr>
           <a:r>
-            <a:rPr lang="en-US" sz="1900" b="1" kern="1200" dirty="0"/>
-            <a:t>🔁 Weak Reproducibility and Scalability</a:t>
+            <a:rPr lang="en-US" sz="2300" b="1" kern="1200" dirty="0"/>
+            <a:t>🔁 Limited Scalability</a:t>
           </a:r>
-          <a:endParaRPr lang="en-US" sz="1900" kern="1200" dirty="0"/>
+          <a:endParaRPr lang="en-US" sz="2300" kern="1200" dirty="0"/>
         </a:p>
       </dsp:txBody>
       <dsp:txXfrm>
-        <a:off x="5447" y="2605543"/>
-        <a:ext cx="2786513" cy="916987"/>
+        <a:off x="5447" y="2928757"/>
+        <a:ext cx="2786513" cy="796950"/>
       </dsp:txXfrm>
     </dsp:sp>
     <dsp:sp modelId="{F8D60F13-5288-4DB0-B2BB-9708CFC14BB9}">
@@ -18004,8 +18050,8 @@
       </dsp:nvSpPr>
       <dsp:spPr>
         <a:xfrm>
-          <a:off x="2791961" y="2433607"/>
-          <a:ext cx="557302" cy="1260857"/>
+          <a:off x="2791961" y="2891400"/>
+          <a:ext cx="557302" cy="871664"/>
         </a:xfrm>
         <a:prstGeom prst="leftBrace">
           <a:avLst>
@@ -18049,8 +18095,8 @@
       </dsp:nvSpPr>
       <dsp:spPr>
         <a:xfrm>
-          <a:off x="3572185" y="2433607"/>
-          <a:ext cx="7579317" cy="1260857"/>
+          <a:off x="3572185" y="2891400"/>
+          <a:ext cx="7579317" cy="871664"/>
         </a:xfrm>
         <a:prstGeom prst="rect">
           <a:avLst/>
@@ -18092,12 +18138,12 @@
         </a:fontRef>
       </dsp:style>
       <dsp:txBody>
-        <a:bodyPr spcFirstLastPara="0" vert="horz" wrap="square" lIns="72390" tIns="72390" rIns="72390" bIns="72390" numCol="1" spcCol="1270" anchor="ctr" anchorCtr="0">
+        <a:bodyPr spcFirstLastPara="0" vert="horz" wrap="square" lIns="87630" tIns="87630" rIns="87630" bIns="87630" numCol="1" spcCol="1270" anchor="ctr" anchorCtr="0">
           <a:noAutofit/>
         </a:bodyPr>
         <a:lstStyle/>
         <a:p>
-          <a:pPr marL="171450" lvl="1" indent="-171450" algn="l" defTabSz="844550">
+          <a:pPr marL="228600" lvl="1" indent="-228600" algn="l" defTabSz="1022350">
             <a:lnSpc>
               <a:spcPct val="90000"/>
             </a:lnSpc>
@@ -18111,21 +18157,53 @@
             <a:buChar char="•"/>
           </a:pPr>
           <a:r>
-            <a:rPr lang="en-US" sz="1900" kern="1200">
+            <a:rPr lang="en-US" sz="2300" kern="1200" dirty="0" err="1">
               <a:solidFill>
                 <a:schemeClr val="tx1"/>
               </a:solidFill>
             </a:rPr>
-            <a:t>Only ChatEval and MutaBot use Docker/GitLab-CI for partial automation.</a:t>
+            <a:t>ChatEval</a:t>
           </a:r>
-          <a:endParaRPr lang="en-US" sz="1900" kern="1200" dirty="0">
+          <a:r>
+            <a:rPr lang="en-US" sz="2300" kern="1200" dirty="0">
+              <a:solidFill>
+                <a:schemeClr val="tx1"/>
+              </a:solidFill>
+            </a:rPr>
+            <a:t> and </a:t>
+          </a:r>
+          <a:r>
+            <a:rPr lang="en-US" sz="2300" kern="1200" dirty="0" err="1">
+              <a:solidFill>
+                <a:schemeClr val="tx1"/>
+              </a:solidFill>
+            </a:rPr>
+            <a:t>MutaBot</a:t>
+          </a:r>
+          <a:r>
+            <a:rPr lang="en-US" sz="2300" kern="1200" dirty="0">
+              <a:solidFill>
+                <a:schemeClr val="tx1"/>
+              </a:solidFill>
+            </a:rPr>
+            <a:t> use </a:t>
+          </a:r>
+          <a:r>
+            <a:rPr lang="en-US" sz="2300" b="1" kern="1200" dirty="0">
+              <a:solidFill>
+                <a:schemeClr val="tx1"/>
+              </a:solidFill>
+            </a:rPr>
+            <a:t>Docker/GitLab-CI</a:t>
+          </a:r>
+          <a:endParaRPr lang="en-US" sz="2300" kern="1200" dirty="0">
             <a:solidFill>
               <a:schemeClr val="tx1"/>
             </a:solidFill>
           </a:endParaRPr>
         </a:p>
         <a:p>
-          <a:pPr marL="171450" lvl="1" indent="-171450" algn="l" defTabSz="844550">
+          <a:pPr marL="228600" lvl="1" indent="-228600" algn="l" defTabSz="1022350">
             <a:lnSpc>
               <a:spcPct val="90000"/>
             </a:lnSpc>
@@ -18139,7 +18217,7 @@
             <a:buChar char="•"/>
           </a:pPr>
           <a:r>
-            <a:rPr lang="en-US" sz="1900" kern="1200" dirty="0">
+            <a:rPr lang="en-US" sz="2300" kern="1200" dirty="0">
               <a:solidFill>
                 <a:schemeClr val="tx1"/>
               </a:solidFill>
@@ -18147,26 +18225,23 @@
             <a:t>Other tools rely on </a:t>
           </a:r>
           <a:r>
-            <a:rPr lang="en-US" sz="1900" b="1" kern="1200" dirty="0">
+            <a:rPr lang="en-US" sz="2300" b="1" kern="1200" dirty="0">
               <a:solidFill>
                 <a:schemeClr val="tx1"/>
               </a:solidFill>
             </a:rPr>
-            <a:t>manual Python setups or vendor platforms</a:t>
+            <a:t>manual Python setups.</a:t>
           </a:r>
-          <a:r>
-            <a:rPr lang="en-US" sz="1900" kern="1200" dirty="0">
-              <a:solidFill>
-                <a:schemeClr val="tx1"/>
-              </a:solidFill>
-            </a:rPr>
-            <a:t>, making it hard to rerun older tests.</a:t>
-          </a:r>
+          <a:endParaRPr lang="en-US" sz="2300" kern="1200" dirty="0">
+            <a:solidFill>
+              <a:schemeClr val="tx1"/>
+            </a:solidFill>
+          </a:endParaRPr>
         </a:p>
       </dsp:txBody>
       <dsp:txXfrm>
-        <a:off x="3572185" y="2433607"/>
-        <a:ext cx="7579317" cy="1260857"/>
+        <a:off x="3572185" y="2891400"/>
+        <a:ext cx="7579317" cy="871664"/>
       </dsp:txXfrm>
     </dsp:sp>
   </dsp:spTree>
@@ -18522,10 +18597,10 @@
             <a:buNone/>
           </a:pPr>
           <a:r>
-            <a:rPr lang="en-US" sz="2900" b="1" kern="1200"/>
+            <a:rPr lang="en-US" sz="2900" b="1" kern="1200" dirty="0"/>
             <a:t>🗂️ Full Test Traceability</a:t>
           </a:r>
-          <a:endParaRPr lang="en-US" sz="2900" kern="1200"/>
+          <a:endParaRPr lang="en-US" sz="2900" kern="1200" dirty="0"/>
         </a:p>
       </dsp:txBody>
       <dsp:txXfrm>
@@ -18715,10 +18790,10 @@
             <a:buNone/>
           </a:pPr>
           <a:r>
-            <a:rPr lang="en-US" sz="2900" b="1" kern="1200"/>
-            <a:t>🐳 Reproducible Docker Stack</a:t>
+            <a:rPr lang="en-US" sz="2900" b="1" kern="1200" dirty="0"/>
+            <a:t>🐳 Scalable Docker Stack</a:t>
           </a:r>
-          <a:endParaRPr lang="en-US" sz="2900" kern="1200"/>
+          <a:endParaRPr lang="en-US" sz="2900" kern="1200" dirty="0"/>
         </a:p>
       </dsp:txBody>
       <dsp:txXfrm>
@@ -19089,7 +19164,15 @@
           </a:pPr>
           <a:r>
             <a:rPr lang="en-US" sz="2400" kern="1200" dirty="0"/>
-            <a:t>Through the analysis of existing tools, we point out a gap in ensuring the truthfulness and reliability of AI chatbot interactions within modern web applications.</a:t>
+            <a:t>Through the analysis of existing tools, we point out a </a:t>
+          </a:r>
+          <a:r>
+            <a:rPr lang="en-US" sz="2400" b="1" kern="1200" dirty="0"/>
+            <a:t>gap in ensuring the truthfulness</a:t>
+          </a:r>
+          <a:r>
+            <a:rPr lang="en-US" sz="2400" kern="1200" dirty="0"/>
+            <a:t> and reliability of AI chatbot interactions within modern web applications.</a:t>
           </a:r>
         </a:p>
       </dsp:txBody>
@@ -19247,8 +19330,32 @@
             <a:buNone/>
           </a:pPr>
           <a:r>
-            <a:rPr lang="en-US" sz="2400" kern="1200"/>
-            <a:t>Through the design of a semi-automated human-in-the-loop framework (FactBridgeAI), we aim to contribute to more trustworthy, testable, and web-integrated conversational systems.</a:t>
+            <a:rPr lang="en-US" sz="2400" kern="1200" dirty="0"/>
+            <a:t>Through the design of a </a:t>
+          </a:r>
+          <a:r>
+            <a:rPr lang="en-US" sz="2400" b="1" kern="1200" dirty="0"/>
+            <a:t>semi-automated</a:t>
+          </a:r>
+          <a:r>
+            <a:rPr lang="en-US" sz="2400" kern="1200" dirty="0"/>
+            <a:t> </a:t>
+          </a:r>
+          <a:r>
+            <a:rPr lang="en-US" sz="2400" b="1" kern="1200" dirty="0"/>
+            <a:t>human-in-the-loop</a:t>
+          </a:r>
+          <a:r>
+            <a:rPr lang="en-US" sz="2400" kern="1200" dirty="0"/>
+            <a:t> framework (</a:t>
+          </a:r>
+          <a:r>
+            <a:rPr lang="en-US" sz="2400" kern="1200" dirty="0" err="1"/>
+            <a:t>FactBridgeAI</a:t>
+          </a:r>
+          <a:r>
+            <a:rPr lang="en-US" sz="2400" kern="1200" dirty="0"/>
+            <a:t>), we aim to contribute to more trustworthy, testable, and web-integrated conversational systems.</a:t>
           </a:r>
         </a:p>
       </dsp:txBody>
@@ -41499,90 +41606,6 @@
 </p:notes>
 </file>
 
-<file path=ppt/notesSlides/notesSlide7.xml><?xml version="1.0" encoding="utf-8"?>
-<p:notes xmlns:a="http://schemas.openxmlformats.org/drawingml/2006/main" xmlns:r="http://schemas.openxmlformats.org/officeDocument/2006/relationships" xmlns:p="http://schemas.openxmlformats.org/presentationml/2006/main">
-  <p:cSld>
-    <p:spTree>
-      <p:nvGrpSpPr>
-        <p:cNvPr id="1" name=""/>
-        <p:cNvGrpSpPr/>
-        <p:nvPr/>
-      </p:nvGrpSpPr>
-      <p:grpSpPr>
-        <a:xfrm>
-          <a:off x="0" y="0"/>
-          <a:ext cx="0" cy="0"/>
-          <a:chOff x="0" y="0"/>
-          <a:chExt cx="0" cy="0"/>
-        </a:xfrm>
-      </p:grpSpPr>
-      <p:sp>
-        <p:nvSpPr>
-          <p:cNvPr id="2" name="Slide Image Placeholder 1"/>
-          <p:cNvSpPr>
-            <a:spLocks noGrp="1" noRot="1" noChangeAspect="1"/>
-          </p:cNvSpPr>
-          <p:nvPr>
-            <p:ph type="sldImg"/>
-          </p:nvPr>
-        </p:nvSpPr>
-        <p:spPr/>
-      </p:sp>
-      <p:sp>
-        <p:nvSpPr>
-          <p:cNvPr id="3" name="Notes Placeholder 2"/>
-          <p:cNvSpPr>
-            <a:spLocks noGrp="1"/>
-          </p:cNvSpPr>
-          <p:nvPr>
-            <p:ph type="body" idx="1"/>
-          </p:nvPr>
-        </p:nvSpPr>
-        <p:spPr/>
-        <p:txBody>
-          <a:bodyPr/>
-          <a:lstStyle/>
-          <a:p>
-            <a:endParaRPr lang="en-US" dirty="0"/>
-          </a:p>
-        </p:txBody>
-      </p:sp>
-      <p:sp>
-        <p:nvSpPr>
-          <p:cNvPr id="4" name="Slide Number Placeholder 3"/>
-          <p:cNvSpPr>
-            <a:spLocks noGrp="1"/>
-          </p:cNvSpPr>
-          <p:nvPr>
-            <p:ph type="sldNum" sz="quarter" idx="5"/>
-          </p:nvPr>
-        </p:nvSpPr>
-        <p:spPr/>
-        <p:txBody>
-          <a:bodyPr/>
-          <a:lstStyle/>
-          <a:p>
-            <a:fld id="{FACBBD4E-9596-49F3-8A2E-25C7C46DE5F9}" type="slidenum">
-              <a:rPr lang="en-US" smtClean="0"/>
-              <a:t>14</a:t>
-            </a:fld>
-            <a:endParaRPr lang="en-US"/>
-          </a:p>
-        </p:txBody>
-      </p:sp>
-    </p:spTree>
-    <p:extLst>
-      <p:ext uri="{BB962C8B-B14F-4D97-AF65-F5344CB8AC3E}">
-        <p14:creationId xmlns:p14="http://schemas.microsoft.com/office/powerpoint/2010/main" val="832523943"/>
-      </p:ext>
-    </p:extLst>
-  </p:cSld>
-  <p:clrMapOvr>
-    <a:masterClrMapping/>
-  </p:clrMapOvr>
-</p:notes>
-</file>
-
 <file path=ppt/slideLayouts/slideLayout1.xml><?xml version="1.0" encoding="utf-8"?>
 <p:sldLayout xmlns:a="http://schemas.openxmlformats.org/drawingml/2006/main" xmlns:r="http://schemas.openxmlformats.org/officeDocument/2006/relationships" xmlns:p="http://schemas.openxmlformats.org/presentationml/2006/main" type="title" preserve="1">
   <p:cSld name="Title Slide">
@@ -45237,13 +45260,13 @@
         </p:nvSpPr>
         <p:spPr>
           <a:xfrm>
-            <a:off x="5323119" y="3429000"/>
-            <a:ext cx="6251111" cy="2667000"/>
+            <a:off x="5323119" y="3322319"/>
+            <a:ext cx="6251111" cy="2773681"/>
           </a:xfrm>
         </p:spPr>
         <p:txBody>
           <a:bodyPr>
-            <a:normAutofit/>
+            <a:normAutofit lnSpcReduction="10000"/>
           </a:bodyPr>
           <a:lstStyle/>
           <a:p>
@@ -45257,7 +45280,21 @@
             </a:pPr>
             <a:r>
               <a:rPr lang="en-US" dirty="0"/>
-              <a:t>By: Meshaal Al-Saffar (200607511)</a:t>
+              <a:t>By: Meshaal Al-Saffar</a:t>
+            </a:r>
+          </a:p>
+          <a:p>
+            <a:pPr algn="ctr">
+              <a:lnSpc>
+                <a:spcPct val="120000"/>
+              </a:lnSpc>
+              <a:spcBef>
+                <a:spcPts val="0"/>
+              </a:spcBef>
+            </a:pPr>
+            <a:r>
+              <a:rPr lang="en-US" dirty="0"/>
+              <a:t>(200607511)</a:t>
             </a:r>
           </a:p>
           <a:p>
@@ -45785,7 +45822,2041 @@
             <p:ph idx="1"/>
             <p:extLst>
               <p:ext uri="{D42A27DB-BD31-4B8C-83A1-F6EECF244321}">
-                <p14:modId xmlns:p14="http://schemas.microsoft.com/office/powerpoint/2010/main" val="2036642563"/>
+                <p14:modId xmlns:p14="http://schemas.microsoft.com/office/powerpoint/2010/main" val="942739977"/>
+              </p:ext>
+            </p:extLst>
+          </p:nvPr>
+        </p:nvGraphicFramePr>
+        <p:xfrm>
+          <a:off x="94488" y="73787"/>
+          <a:ext cx="11716511" cy="6710427"/>
+        </p:xfrm>
+        <a:graphic>
+          <a:graphicData uri="http://schemas.openxmlformats.org/drawingml/2006/table">
+            <a:tbl>
+              <a:tblPr>
+                <a:tableStyleId>{B301B821-A1FF-4177-AEE7-76D212191A09}</a:tableStyleId>
+              </a:tblPr>
+              <a:tblGrid>
+                <a:gridCol w="1012057">
+                  <a:extLst>
+                    <a:ext uri="{9D8B030D-6E8A-4147-A177-3AD203B41FA5}">
+                      <a16:colId xmlns:a16="http://schemas.microsoft.com/office/drawing/2014/main" val="582789558"/>
+                    </a:ext>
+                  </a:extLst>
+                </a:gridCol>
+                <a:gridCol w="1488320">
+                  <a:extLst>
+                    <a:ext uri="{9D8B030D-6E8A-4147-A177-3AD203B41FA5}">
+                      <a16:colId xmlns:a16="http://schemas.microsoft.com/office/drawing/2014/main" val="1743955687"/>
+                    </a:ext>
+                  </a:extLst>
+                </a:gridCol>
+                <a:gridCol w="1386585">
+                  <a:extLst>
+                    <a:ext uri="{9D8B030D-6E8A-4147-A177-3AD203B41FA5}">
+                      <a16:colId xmlns:a16="http://schemas.microsoft.com/office/drawing/2014/main" val="1962557146"/>
+                    </a:ext>
+                  </a:extLst>
+                </a:gridCol>
+                <a:gridCol w="1466850">
+                  <a:extLst>
+                    <a:ext uri="{9D8B030D-6E8A-4147-A177-3AD203B41FA5}">
+                      <a16:colId xmlns:a16="http://schemas.microsoft.com/office/drawing/2014/main" val="4140139646"/>
+                    </a:ext>
+                  </a:extLst>
+                </a:gridCol>
+                <a:gridCol w="1257300">
+                  <a:extLst>
+                    <a:ext uri="{9D8B030D-6E8A-4147-A177-3AD203B41FA5}">
+                      <a16:colId xmlns:a16="http://schemas.microsoft.com/office/drawing/2014/main" val="4215566827"/>
+                    </a:ext>
+                  </a:extLst>
+                </a:gridCol>
+                <a:gridCol w="1257300">
+                  <a:extLst>
+                    <a:ext uri="{9D8B030D-6E8A-4147-A177-3AD203B41FA5}">
+                      <a16:colId xmlns:a16="http://schemas.microsoft.com/office/drawing/2014/main" val="3539046628"/>
+                    </a:ext>
+                  </a:extLst>
+                </a:gridCol>
+                <a:gridCol w="1276350">
+                  <a:extLst>
+                    <a:ext uri="{9D8B030D-6E8A-4147-A177-3AD203B41FA5}">
+                      <a16:colId xmlns:a16="http://schemas.microsoft.com/office/drawing/2014/main" val="1097362887"/>
+                    </a:ext>
+                  </a:extLst>
+                </a:gridCol>
+                <a:gridCol w="988024">
+                  <a:extLst>
+                    <a:ext uri="{9D8B030D-6E8A-4147-A177-3AD203B41FA5}">
+                      <a16:colId xmlns:a16="http://schemas.microsoft.com/office/drawing/2014/main" val="1631764022"/>
+                    </a:ext>
+                  </a:extLst>
+                </a:gridCol>
+                <a:gridCol w="1583725">
+                  <a:extLst>
+                    <a:ext uri="{9D8B030D-6E8A-4147-A177-3AD203B41FA5}">
+                      <a16:colId xmlns:a16="http://schemas.microsoft.com/office/drawing/2014/main" val="2087254735"/>
+                    </a:ext>
+                  </a:extLst>
+                </a:gridCol>
+              </a:tblGrid>
+              <a:tr h="461180">
+                <a:tc>
+                  <a:txBody>
+                    <a:bodyPr/>
+                    <a:lstStyle/>
+                    <a:p>
+                      <a:pPr algn="l"/>
+                      <a:r>
+                        <a:rPr lang="en-US" sz="1200" b="1" dirty="0"/>
+                        <a:t>Tool</a:t>
+                      </a:r>
+                      <a:endParaRPr lang="en-US" sz="1200" dirty="0"/>
+                    </a:p>
+                  </a:txBody>
+                  <a:tcPr marL="35207" marR="35207" marT="17603" marB="17603" anchor="ctr">
+                    <a:solidFill>
+                      <a:schemeClr val="tx2">
+                        <a:lumMod val="10000"/>
+                        <a:lumOff val="90000"/>
+                      </a:schemeClr>
+                    </a:solidFill>
+                  </a:tcPr>
+                </a:tc>
+                <a:tc>
+                  <a:txBody>
+                    <a:bodyPr/>
+                    <a:lstStyle/>
+                    <a:p>
+                      <a:pPr algn="l"/>
+                      <a:r>
+                        <a:rPr lang="en-US" sz="1200" b="1" dirty="0"/>
+                        <a:t>Knowledge Base</a:t>
+                      </a:r>
+                      <a:endParaRPr lang="en-US" sz="1200" dirty="0"/>
+                    </a:p>
+                  </a:txBody>
+                  <a:tcPr marL="35207" marR="35207" marT="17603" marB="17603" anchor="ctr">
+                    <a:solidFill>
+                      <a:schemeClr val="tx2">
+                        <a:lumMod val="10000"/>
+                        <a:lumOff val="90000"/>
+                      </a:schemeClr>
+                    </a:solidFill>
+                  </a:tcPr>
+                </a:tc>
+                <a:tc>
+                  <a:txBody>
+                    <a:bodyPr/>
+                    <a:lstStyle/>
+                    <a:p>
+                      <a:pPr algn="l"/>
+                      <a:r>
+                        <a:rPr lang="en-US" sz="1200" b="1" dirty="0"/>
+                        <a:t>Eval Method</a:t>
+                      </a:r>
+                      <a:endParaRPr lang="en-US" sz="1200" dirty="0"/>
+                    </a:p>
+                  </a:txBody>
+                  <a:tcPr marL="35207" marR="35207" marT="17603" marB="17603" anchor="ctr">
+                    <a:solidFill>
+                      <a:schemeClr val="tx2">
+                        <a:lumMod val="10000"/>
+                        <a:lumOff val="90000"/>
+                      </a:schemeClr>
+                    </a:solidFill>
+                  </a:tcPr>
+                </a:tc>
+                <a:tc>
+                  <a:txBody>
+                    <a:bodyPr/>
+                    <a:lstStyle/>
+                    <a:p>
+                      <a:pPr algn="l"/>
+                      <a:r>
+                        <a:rPr lang="en-US" sz="1200" b="1" dirty="0"/>
+                        <a:t>Human Involvement</a:t>
+                      </a:r>
+                      <a:endParaRPr lang="en-US" sz="1200" dirty="0"/>
+                    </a:p>
+                  </a:txBody>
+                  <a:tcPr marL="35207" marR="35207" marT="17603" marB="17603" anchor="ctr">
+                    <a:solidFill>
+                      <a:schemeClr val="tx2">
+                        <a:lumMod val="10000"/>
+                        <a:lumOff val="90000"/>
+                      </a:schemeClr>
+                    </a:solidFill>
+                  </a:tcPr>
+                </a:tc>
+                <a:tc>
+                  <a:txBody>
+                    <a:bodyPr/>
+                    <a:lstStyle/>
+                    <a:p>
+                      <a:pPr algn="l"/>
+                      <a:r>
+                        <a:rPr lang="en-US" sz="1200" b="1" dirty="0"/>
+                        <a:t>Scoring Scale</a:t>
+                      </a:r>
+                      <a:endParaRPr lang="en-US" sz="1200" dirty="0"/>
+                    </a:p>
+                  </a:txBody>
+                  <a:tcPr marL="35207" marR="35207" marT="17603" marB="17603" anchor="ctr">
+                    <a:solidFill>
+                      <a:schemeClr val="tx2">
+                        <a:lumMod val="10000"/>
+                        <a:lumOff val="90000"/>
+                      </a:schemeClr>
+                    </a:solidFill>
+                  </a:tcPr>
+                </a:tc>
+                <a:tc>
+                  <a:txBody>
+                    <a:bodyPr/>
+                    <a:lstStyle/>
+                    <a:p>
+                      <a:pPr algn="l"/>
+                      <a:r>
+                        <a:rPr lang="en-US" sz="1200" b="1" dirty="0"/>
+                        <a:t>Score Owner</a:t>
+                      </a:r>
+                      <a:endParaRPr lang="en-US" sz="1200" dirty="0"/>
+                    </a:p>
+                  </a:txBody>
+                  <a:tcPr marL="35207" marR="35207" marT="17603" marB="17603" anchor="ctr">
+                    <a:solidFill>
+                      <a:schemeClr val="tx2">
+                        <a:lumMod val="10000"/>
+                        <a:lumOff val="90000"/>
+                      </a:schemeClr>
+                    </a:solidFill>
+                  </a:tcPr>
+                </a:tc>
+                <a:tc>
+                  <a:txBody>
+                    <a:bodyPr/>
+                    <a:lstStyle/>
+                    <a:p>
+                      <a:pPr algn="l"/>
+                      <a:r>
+                        <a:rPr lang="en-US" sz="1200" b="1" dirty="0"/>
+                        <a:t>Backend</a:t>
+                      </a:r>
+                      <a:endParaRPr lang="en-US" sz="1200" dirty="0"/>
+                    </a:p>
+                  </a:txBody>
+                  <a:tcPr marL="35207" marR="35207" marT="17603" marB="17603" anchor="ctr">
+                    <a:solidFill>
+                      <a:schemeClr val="tx2">
+                        <a:lumMod val="10000"/>
+                        <a:lumOff val="90000"/>
+                      </a:schemeClr>
+                    </a:solidFill>
+                  </a:tcPr>
+                </a:tc>
+                <a:tc>
+                  <a:txBody>
+                    <a:bodyPr/>
+                    <a:lstStyle/>
+                    <a:p>
+                      <a:pPr algn="l"/>
+                      <a:r>
+                        <a:rPr lang="en-US" sz="1200" b="1" dirty="0"/>
+                        <a:t>Frontend</a:t>
+                      </a:r>
+                      <a:endParaRPr lang="en-US" sz="1200" dirty="0"/>
+                    </a:p>
+                  </a:txBody>
+                  <a:tcPr marL="35207" marR="35207" marT="17603" marB="17603" anchor="ctr">
+                    <a:solidFill>
+                      <a:schemeClr val="tx2">
+                        <a:lumMod val="10000"/>
+                        <a:lumOff val="90000"/>
+                      </a:schemeClr>
+                    </a:solidFill>
+                  </a:tcPr>
+                </a:tc>
+                <a:tc>
+                  <a:txBody>
+                    <a:bodyPr/>
+                    <a:lstStyle/>
+                    <a:p>
+                      <a:pPr algn="l"/>
+                      <a:r>
+                        <a:rPr lang="en-US" sz="1200" b="1" dirty="0"/>
+                        <a:t>Testing Methodology</a:t>
+                      </a:r>
+                      <a:endParaRPr lang="en-US" sz="1200" dirty="0"/>
+                    </a:p>
+                  </a:txBody>
+                  <a:tcPr marL="35207" marR="35207" marT="17603" marB="17603" anchor="ctr">
+                    <a:solidFill>
+                      <a:schemeClr val="tx2">
+                        <a:lumMod val="10000"/>
+                        <a:lumOff val="90000"/>
+                      </a:schemeClr>
+                    </a:solidFill>
+                  </a:tcPr>
+                </a:tc>
+                <a:extLst>
+                  <a:ext uri="{0D108BD9-81ED-4DB2-BD59-A6C34878D82A}">
+                    <a16:rowId xmlns:a16="http://schemas.microsoft.com/office/drawing/2014/main" val="2622308346"/>
+                  </a:ext>
+                </a:extLst>
+              </a:tr>
+              <a:tr h="775312">
+                <a:tc>
+                  <a:txBody>
+                    <a:bodyPr/>
+                    <a:lstStyle/>
+                    <a:p>
+                      <a:r>
+                        <a:rPr lang="en-US" sz="1200" b="1"/>
+                        <a:t>TruthfulQA</a:t>
+                      </a:r>
+                      <a:endParaRPr lang="en-US" sz="1200"/>
+                    </a:p>
+                  </a:txBody>
+                  <a:tcPr marL="35207" marR="35207" marT="17603" marB="17603" anchor="ctr"/>
+                </a:tc>
+                <a:tc>
+                  <a:txBody>
+                    <a:bodyPr/>
+                    <a:lstStyle/>
+                    <a:p>
+                      <a:r>
+                        <a:rPr lang="en-US" sz="1200" dirty="0"/>
+                        <a:t>QA corpus with sources</a:t>
+                      </a:r>
+                    </a:p>
+                  </a:txBody>
+                  <a:tcPr marL="35207" marR="35207" marT="17603" marB="17603" anchor="ctr"/>
+                </a:tc>
+                <a:tc>
+                  <a:txBody>
+                    <a:bodyPr/>
+                    <a:lstStyle/>
+                    <a:p>
+                      <a:r>
+                        <a:rPr lang="en-US" sz="1200"/>
+                        <a:t>Human + LLM</a:t>
+                      </a:r>
+                    </a:p>
+                  </a:txBody>
+                  <a:tcPr marL="35207" marR="35207" marT="17603" marB="17603" anchor="ctr"/>
+                </a:tc>
+                <a:tc>
+                  <a:txBody>
+                    <a:bodyPr/>
+                    <a:lstStyle/>
+                    <a:p>
+                      <a:pPr marL="0" marR="0" lvl="0" indent="0" algn="l" defTabSz="914400" rtl="0" eaLnBrk="1" fontAlgn="auto" latinLnBrk="0" hangingPunct="1">
+                        <a:lnSpc>
+                          <a:spcPct val="100000"/>
+                        </a:lnSpc>
+                        <a:spcBef>
+                          <a:spcPts val="0"/>
+                        </a:spcBef>
+                        <a:spcAft>
+                          <a:spcPts val="0"/>
+                        </a:spcAft>
+                        <a:buClrTx/>
+                        <a:buSzTx/>
+                        <a:buFontTx/>
+                        <a:buNone/>
+                        <a:tabLst/>
+                        <a:defRPr/>
+                      </a:pPr>
+                      <a:r>
+                        <a:rPr lang="en-US" sz="1200" dirty="0"/>
+                        <a:t>Write questions, craft gold answers, rate system outputs</a:t>
+                      </a:r>
+                    </a:p>
+                  </a:txBody>
+                  <a:tcPr marL="35207" marR="35207" marT="17603" marB="17603" anchor="ctr"/>
+                </a:tc>
+                <a:tc>
+                  <a:txBody>
+                    <a:bodyPr/>
+                    <a:lstStyle/>
+                    <a:p>
+                      <a:r>
+                        <a:rPr lang="en-US" sz="1200"/>
+                        <a:t>Graded (0–1)</a:t>
+                      </a:r>
+                    </a:p>
+                  </a:txBody>
+                  <a:tcPr marL="35207" marR="35207" marT="17603" marB="17603" anchor="ctr"/>
+                </a:tc>
+                <a:tc>
+                  <a:txBody>
+                    <a:bodyPr/>
+                    <a:lstStyle/>
+                    <a:p>
+                      <a:r>
+                        <a:rPr lang="en-US" sz="1200"/>
+                        <a:t>Human + LLM</a:t>
+                      </a:r>
+                    </a:p>
+                  </a:txBody>
+                  <a:tcPr marL="35207" marR="35207" marT="17603" marB="17603" anchor="ctr"/>
+                </a:tc>
+                <a:tc>
+                  <a:txBody>
+                    <a:bodyPr/>
+                    <a:lstStyle/>
+                    <a:p>
+                      <a:r>
+                        <a:rPr lang="en-US" sz="1200"/>
+                        <a:t>Python</a:t>
+                      </a:r>
+                    </a:p>
+                  </a:txBody>
+                  <a:tcPr marL="35207" marR="35207" marT="17603" marB="17603" anchor="ctr"/>
+                </a:tc>
+                <a:tc>
+                  <a:txBody>
+                    <a:bodyPr/>
+                    <a:lstStyle/>
+                    <a:p>
+                      <a:r>
+                        <a:rPr lang="en-US" sz="1200"/>
+                        <a:t>CLI</a:t>
+                      </a:r>
+                    </a:p>
+                  </a:txBody>
+                  <a:tcPr marL="35207" marR="35207" marT="17603" marB="17603" anchor="ctr"/>
+                </a:tc>
+                <a:tc>
+                  <a:txBody>
+                    <a:bodyPr/>
+                    <a:lstStyle/>
+                    <a:p>
+                      <a:r>
+                        <a:rPr lang="en-US" sz="1200" dirty="0"/>
+                        <a:t>Simulated-users</a:t>
+                      </a:r>
+                    </a:p>
+                  </a:txBody>
+                  <a:tcPr marL="35207" marR="35207" marT="17603" marB="17603" anchor="ctr"/>
+                </a:tc>
+                <a:extLst>
+                  <a:ext uri="{0D108BD9-81ED-4DB2-BD59-A6C34878D82A}">
+                    <a16:rowId xmlns:a16="http://schemas.microsoft.com/office/drawing/2014/main" val="4183914504"/>
+                  </a:ext>
+                </a:extLst>
+              </a:tr>
+              <a:tr h="542485">
+                <a:tc>
+                  <a:txBody>
+                    <a:bodyPr/>
+                    <a:lstStyle/>
+                    <a:p>
+                      <a:r>
+                        <a:rPr lang="en-US" sz="1200" b="1"/>
+                        <a:t>ChatEval</a:t>
+                      </a:r>
+                      <a:endParaRPr lang="en-US" sz="1200"/>
+                    </a:p>
+                  </a:txBody>
+                  <a:tcPr marL="35207" marR="35207" marT="17603" marB="17603" anchor="ctr"/>
+                </a:tc>
+                <a:tc>
+                  <a:txBody>
+                    <a:bodyPr/>
+                    <a:lstStyle/>
+                    <a:p>
+                      <a:r>
+                        <a:rPr lang="en-US" sz="1200"/>
+                        <a:t>User logs</a:t>
+                      </a:r>
+                    </a:p>
+                  </a:txBody>
+                  <a:tcPr marL="35207" marR="35207" marT="17603" marB="17603" anchor="ctr"/>
+                </a:tc>
+                <a:tc>
+                  <a:txBody>
+                    <a:bodyPr/>
+                    <a:lstStyle/>
+                    <a:p>
+                      <a:r>
+                        <a:rPr lang="en-US" sz="1200"/>
+                        <a:t>Crowd + metrics</a:t>
+                      </a:r>
+                    </a:p>
+                  </a:txBody>
+                  <a:tcPr marL="35207" marR="35207" marT="17603" marB="17603" anchor="ctr"/>
+                </a:tc>
+                <a:tc>
+                  <a:txBody>
+                    <a:bodyPr/>
+                    <a:lstStyle/>
+                    <a:p>
+                      <a:r>
+                        <a:rPr lang="en-US" sz="1200" dirty="0"/>
+                        <a:t>Crowd workers rate coherence, etc.</a:t>
+                      </a:r>
+                    </a:p>
+                  </a:txBody>
+                  <a:tcPr marL="35207" marR="35207" marT="17603" marB="17603" anchor="ctr"/>
+                </a:tc>
+                <a:tc>
+                  <a:txBody>
+                    <a:bodyPr/>
+                    <a:lstStyle/>
+                    <a:p>
+                      <a:r>
+                        <a:rPr lang="en-US" sz="1200"/>
+                        <a:t>Likert scale</a:t>
+                      </a:r>
+                    </a:p>
+                  </a:txBody>
+                  <a:tcPr marL="35207" marR="35207" marT="17603" marB="17603" anchor="ctr"/>
+                </a:tc>
+                <a:tc>
+                  <a:txBody>
+                    <a:bodyPr/>
+                    <a:lstStyle/>
+                    <a:p>
+                      <a:r>
+                        <a:rPr lang="en-US" sz="1200"/>
+                        <a:t>Crowd</a:t>
+                      </a:r>
+                    </a:p>
+                  </a:txBody>
+                  <a:tcPr marL="35207" marR="35207" marT="17603" marB="17603" anchor="ctr"/>
+                </a:tc>
+                <a:tc>
+                  <a:txBody>
+                    <a:bodyPr/>
+                    <a:lstStyle/>
+                    <a:p>
+                      <a:r>
+                        <a:rPr lang="en-US" sz="1200"/>
+                        <a:t>Python</a:t>
+                      </a:r>
+                    </a:p>
+                  </a:txBody>
+                  <a:tcPr marL="35207" marR="35207" marT="17603" marB="17603" anchor="ctr"/>
+                </a:tc>
+                <a:tc>
+                  <a:txBody>
+                    <a:bodyPr/>
+                    <a:lstStyle/>
+                    <a:p>
+                      <a:r>
+                        <a:rPr lang="en-US" sz="1200" dirty="0"/>
+                        <a:t>Web UI</a:t>
+                      </a:r>
+                    </a:p>
+                  </a:txBody>
+                  <a:tcPr marL="35207" marR="35207" marT="17603" marB="17603" anchor="ctr"/>
+                </a:tc>
+                <a:tc>
+                  <a:txBody>
+                    <a:bodyPr/>
+                    <a:lstStyle/>
+                    <a:p>
+                      <a:r>
+                        <a:rPr lang="en-US" sz="1200" dirty="0"/>
+                        <a:t>Usability,</a:t>
+                      </a:r>
+                    </a:p>
+                    <a:p>
+                      <a:r>
+                        <a:rPr lang="en-US" sz="1200" dirty="0"/>
+                        <a:t>Simulated-users</a:t>
+                      </a:r>
+                    </a:p>
+                  </a:txBody>
+                  <a:tcPr marL="35207" marR="35207" marT="17603" marB="17603" anchor="ctr"/>
+                </a:tc>
+                <a:extLst>
+                  <a:ext uri="{0D108BD9-81ED-4DB2-BD59-A6C34878D82A}">
+                    <a16:rowId xmlns:a16="http://schemas.microsoft.com/office/drawing/2014/main" val="4130690630"/>
+                  </a:ext>
+                </a:extLst>
+              </a:tr>
+              <a:tr h="775312">
+                <a:tc>
+                  <a:txBody>
+                    <a:bodyPr/>
+                    <a:lstStyle/>
+                    <a:p>
+                      <a:r>
+                        <a:rPr lang="en-US" sz="1200" b="1"/>
+                        <a:t>FACT-GPT</a:t>
+                      </a:r>
+                      <a:endParaRPr lang="en-US" sz="1200"/>
+                    </a:p>
+                  </a:txBody>
+                  <a:tcPr marL="35207" marR="35207" marT="17603" marB="17603" anchor="ctr"/>
+                </a:tc>
+                <a:tc>
+                  <a:txBody>
+                    <a:bodyPr/>
+                    <a:lstStyle/>
+                    <a:p>
+                      <a:r>
+                        <a:rPr lang="en-US" sz="1200"/>
+                        <a:t>Claim DB + LLM</a:t>
+                      </a:r>
+                    </a:p>
+                  </a:txBody>
+                  <a:tcPr marL="35207" marR="35207" marT="17603" marB="17603" anchor="ctr"/>
+                </a:tc>
+                <a:tc>
+                  <a:txBody>
+                    <a:bodyPr/>
+                    <a:lstStyle/>
+                    <a:p>
+                      <a:r>
+                        <a:rPr lang="en-US" sz="1200"/>
+                        <a:t>LLM scoring + human</a:t>
+                      </a:r>
+                    </a:p>
+                  </a:txBody>
+                  <a:tcPr marL="35207" marR="35207" marT="17603" marB="17603" anchor="ctr"/>
+                </a:tc>
+                <a:tc>
+                  <a:txBody>
+                    <a:bodyPr/>
+                    <a:lstStyle/>
+                    <a:p>
+                      <a:r>
+                        <a:rPr lang="en-US" sz="1200" dirty="0"/>
+                        <a:t>Experts curate seed claims and validate matches</a:t>
+                      </a:r>
+                    </a:p>
+                  </a:txBody>
+                  <a:tcPr marL="35207" marR="35207" marT="17603" marB="17603" anchor="ctr"/>
+                </a:tc>
+                <a:tc>
+                  <a:txBody>
+                    <a:bodyPr/>
+                    <a:lstStyle/>
+                    <a:p>
+                      <a:r>
+                        <a:rPr lang="en-US" sz="1200"/>
+                        <a:t>Binary + LLM match</a:t>
+                      </a:r>
+                    </a:p>
+                  </a:txBody>
+                  <a:tcPr marL="35207" marR="35207" marT="17603" marB="17603" anchor="ctr"/>
+                </a:tc>
+                <a:tc>
+                  <a:txBody>
+                    <a:bodyPr/>
+                    <a:lstStyle/>
+                    <a:p>
+                      <a:r>
+                        <a:rPr lang="en-US" sz="1200"/>
+                        <a:t>LLM + Human Audit</a:t>
+                      </a:r>
+                    </a:p>
+                  </a:txBody>
+                  <a:tcPr marL="35207" marR="35207" marT="17603" marB="17603" anchor="ctr"/>
+                </a:tc>
+                <a:tc>
+                  <a:txBody>
+                    <a:bodyPr/>
+                    <a:lstStyle/>
+                    <a:p>
+                      <a:r>
+                        <a:rPr lang="en-US" sz="1200"/>
+                        <a:t>Python</a:t>
+                      </a:r>
+                    </a:p>
+                  </a:txBody>
+                  <a:tcPr marL="35207" marR="35207" marT="17603" marB="17603" anchor="ctr"/>
+                </a:tc>
+                <a:tc>
+                  <a:txBody>
+                    <a:bodyPr/>
+                    <a:lstStyle/>
+                    <a:p>
+                      <a:r>
+                        <a:rPr lang="en-US" sz="1200" dirty="0"/>
+                        <a:t>Notebook / REST demo, no full GUI</a:t>
+                      </a:r>
+                    </a:p>
+                  </a:txBody>
+                  <a:tcPr marL="35207" marR="35207" marT="17603" marB="17603" anchor="ctr"/>
+                </a:tc>
+                <a:tc>
+                  <a:txBody>
+                    <a:bodyPr/>
+                    <a:lstStyle/>
+                    <a:p>
+                      <a:r>
+                        <a:rPr lang="en-US" sz="1200" dirty="0"/>
+                        <a:t>Simulated Users</a:t>
+                      </a:r>
+                    </a:p>
+                  </a:txBody>
+                  <a:tcPr marL="35207" marR="35207" marT="17603" marB="17603" anchor="ctr"/>
+                </a:tc>
+                <a:extLst>
+                  <a:ext uri="{0D108BD9-81ED-4DB2-BD59-A6C34878D82A}">
+                    <a16:rowId xmlns:a16="http://schemas.microsoft.com/office/drawing/2014/main" val="2548634826"/>
+                  </a:ext>
+                </a:extLst>
+              </a:tr>
+              <a:tr h="775312">
+                <a:tc>
+                  <a:txBody>
+                    <a:bodyPr/>
+                    <a:lstStyle/>
+                    <a:p>
+                      <a:r>
+                        <a:rPr lang="en-US" sz="1200" b="1"/>
+                        <a:t>ChatClimate</a:t>
+                      </a:r>
+                      <a:endParaRPr lang="en-US" sz="1200"/>
+                    </a:p>
+                  </a:txBody>
+                  <a:tcPr marL="35207" marR="35207" marT="17603" marB="17603" anchor="ctr"/>
+                </a:tc>
+                <a:tc>
+                  <a:txBody>
+                    <a:bodyPr/>
+                    <a:lstStyle/>
+                    <a:p>
+                      <a:r>
+                        <a:rPr lang="en-US" sz="1200"/>
+                        <a:t>Climate-science corpus</a:t>
+                      </a:r>
+                    </a:p>
+                  </a:txBody>
+                  <a:tcPr marL="35207" marR="35207" marT="17603" marB="17603" anchor="ctr"/>
+                </a:tc>
+                <a:tc>
+                  <a:txBody>
+                    <a:bodyPr/>
+                    <a:lstStyle/>
+                    <a:p>
+                      <a:r>
+                        <a:rPr lang="en-US" sz="1200"/>
+                        <a:t>Expert scoring</a:t>
+                      </a:r>
+                    </a:p>
+                  </a:txBody>
+                  <a:tcPr marL="35207" marR="35207" marT="17603" marB="17603" anchor="ctr"/>
+                </a:tc>
+                <a:tc>
+                  <a:txBody>
+                    <a:bodyPr/>
+                    <a:lstStyle/>
+                    <a:p>
+                      <a:r>
+                        <a:rPr lang="en-US" sz="1200" dirty="0"/>
+                        <a:t>Scientists design rubric and score 170 test statements</a:t>
+                      </a:r>
+                    </a:p>
+                  </a:txBody>
+                  <a:tcPr marL="35207" marR="35207" marT="17603" marB="17603" anchor="ctr"/>
+                </a:tc>
+                <a:tc>
+                  <a:txBody>
+                    <a:bodyPr/>
+                    <a:lstStyle/>
+                    <a:p>
+                      <a:r>
+                        <a:rPr lang="en-US" sz="1200"/>
+                        <a:t>4-level credibility scale</a:t>
+                      </a:r>
+                    </a:p>
+                  </a:txBody>
+                  <a:tcPr marL="35207" marR="35207" marT="17603" marB="17603" anchor="ctr"/>
+                </a:tc>
+                <a:tc>
+                  <a:txBody>
+                    <a:bodyPr/>
+                    <a:lstStyle/>
+                    <a:p>
+                      <a:r>
+                        <a:rPr lang="en-US" sz="1200"/>
+                        <a:t>Experts</a:t>
+                      </a:r>
+                    </a:p>
+                  </a:txBody>
+                  <a:tcPr marL="35207" marR="35207" marT="17603" marB="17603" anchor="ctr"/>
+                </a:tc>
+                <a:tc>
+                  <a:txBody>
+                    <a:bodyPr/>
+                    <a:lstStyle/>
+                    <a:p>
+                      <a:r>
+                        <a:rPr lang="en-US" sz="1200"/>
+                        <a:t>Python</a:t>
+                      </a:r>
+                    </a:p>
+                  </a:txBody>
+                  <a:tcPr marL="35207" marR="35207" marT="17603" marB="17603" anchor="ctr"/>
+                </a:tc>
+                <a:tc>
+                  <a:txBody>
+                    <a:bodyPr/>
+                    <a:lstStyle/>
+                    <a:p>
+                      <a:r>
+                        <a:rPr lang="en-US" sz="1200"/>
+                        <a:t>CLI</a:t>
+                      </a:r>
+                    </a:p>
+                  </a:txBody>
+                  <a:tcPr marL="35207" marR="35207" marT="17603" marB="17603" anchor="ctr"/>
+                </a:tc>
+                <a:tc>
+                  <a:txBody>
+                    <a:bodyPr/>
+                    <a:lstStyle/>
+                    <a:p>
+                      <a:r>
+                        <a:rPr lang="en-US" sz="1200" dirty="0"/>
+                        <a:t>Simulated Users</a:t>
+                      </a:r>
+                    </a:p>
+                  </a:txBody>
+                  <a:tcPr marL="35207" marR="35207" marT="17603" marB="17603" anchor="ctr"/>
+                </a:tc>
+                <a:extLst>
+                  <a:ext uri="{0D108BD9-81ED-4DB2-BD59-A6C34878D82A}">
+                    <a16:rowId xmlns:a16="http://schemas.microsoft.com/office/drawing/2014/main" val="2810160557"/>
+                  </a:ext>
+                </a:extLst>
+              </a:tr>
+              <a:tr h="542485">
+                <a:tc>
+                  <a:txBody>
+                    <a:bodyPr/>
+                    <a:lstStyle/>
+                    <a:p>
+                      <a:r>
+                        <a:rPr lang="en-US" sz="1200" b="1"/>
+                        <a:t>MutaBot</a:t>
+                      </a:r>
+                      <a:endParaRPr lang="en-US" sz="1200"/>
+                    </a:p>
+                  </a:txBody>
+                  <a:tcPr marL="35207" marR="35207" marT="17603" marB="17603" anchor="ctr"/>
+                </a:tc>
+                <a:tc>
+                  <a:txBody>
+                    <a:bodyPr/>
+                    <a:lstStyle/>
+                    <a:p>
+                      <a:r>
+                        <a:rPr lang="en-US" sz="1200" dirty="0"/>
+                        <a:t>Mutants of training set and code</a:t>
+                      </a:r>
+                    </a:p>
+                  </a:txBody>
+                  <a:tcPr marL="35207" marR="35207" marT="17603" marB="17603" anchor="ctr"/>
+                </a:tc>
+                <a:tc>
+                  <a:txBody>
+                    <a:bodyPr/>
+                    <a:lstStyle/>
+                    <a:p>
+                      <a:r>
+                        <a:rPr lang="en-US" sz="1200"/>
+                        <a:t>Mutation rules</a:t>
+                      </a:r>
+                    </a:p>
+                  </a:txBody>
+                  <a:tcPr marL="35207" marR="35207" marT="17603" marB="17603" anchor="ctr"/>
+                </a:tc>
+                <a:tc>
+                  <a:txBody>
+                    <a:bodyPr/>
+                    <a:lstStyle/>
+                    <a:p>
+                      <a:r>
+                        <a:rPr lang="en-US" sz="1200" dirty="0"/>
+                        <a:t>Inspect surviving mutants if needed</a:t>
+                      </a:r>
+                    </a:p>
+                  </a:txBody>
+                  <a:tcPr marL="35207" marR="35207" marT="17603" marB="17603" anchor="ctr"/>
+                </a:tc>
+                <a:tc>
+                  <a:txBody>
+                    <a:bodyPr/>
+                    <a:lstStyle/>
+                    <a:p>
+                      <a:r>
+                        <a:rPr lang="en-US" sz="1200" dirty="0"/>
+                        <a:t>Binary pass/fail</a:t>
+                      </a:r>
+                    </a:p>
+                  </a:txBody>
+                  <a:tcPr marL="35207" marR="35207" marT="17603" marB="17603" anchor="ctr"/>
+                </a:tc>
+                <a:tc>
+                  <a:txBody>
+                    <a:bodyPr/>
+                    <a:lstStyle/>
+                    <a:p>
+                      <a:r>
+                        <a:rPr lang="en-US" sz="1200"/>
+                        <a:t>Script logic</a:t>
+                      </a:r>
+                    </a:p>
+                  </a:txBody>
+                  <a:tcPr marL="35207" marR="35207" marT="17603" marB="17603" anchor="ctr"/>
+                </a:tc>
+                <a:tc>
+                  <a:txBody>
+                    <a:bodyPr/>
+                    <a:lstStyle/>
+                    <a:p>
+                      <a:r>
+                        <a:rPr lang="en-US" sz="1200"/>
+                        <a:t>Python</a:t>
+                      </a:r>
+                    </a:p>
+                  </a:txBody>
+                  <a:tcPr marL="35207" marR="35207" marT="17603" marB="17603" anchor="ctr"/>
+                </a:tc>
+                <a:tc>
+                  <a:txBody>
+                    <a:bodyPr/>
+                    <a:lstStyle/>
+                    <a:p>
+                      <a:r>
+                        <a:rPr lang="en-US" sz="1200"/>
+                        <a:t>CLI</a:t>
+                      </a:r>
+                    </a:p>
+                  </a:txBody>
+                  <a:tcPr marL="35207" marR="35207" marT="17603" marB="17603" anchor="ctr"/>
+                </a:tc>
+                <a:tc>
+                  <a:txBody>
+                    <a:bodyPr/>
+                    <a:lstStyle/>
+                    <a:p>
+                      <a:r>
+                        <a:rPr lang="en-US" sz="1200" dirty="0"/>
+                        <a:t>Metamorphic, </a:t>
+                      </a:r>
+                    </a:p>
+                    <a:p>
+                      <a:r>
+                        <a:rPr lang="en-US" sz="1200" dirty="0"/>
+                        <a:t>Simulated-users</a:t>
+                      </a:r>
+                    </a:p>
+                  </a:txBody>
+                  <a:tcPr marL="35207" marR="35207" marT="17603" marB="17603" anchor="ctr"/>
+                </a:tc>
+                <a:extLst>
+                  <a:ext uri="{0D108BD9-81ED-4DB2-BD59-A6C34878D82A}">
+                    <a16:rowId xmlns:a16="http://schemas.microsoft.com/office/drawing/2014/main" val="100612371"/>
+                  </a:ext>
+                </a:extLst>
+              </a:tr>
+              <a:tr h="775312">
+                <a:tc>
+                  <a:txBody>
+                    <a:bodyPr/>
+                    <a:lstStyle/>
+                    <a:p>
+                      <a:r>
+                        <a:rPr lang="en-US" sz="1200" b="1"/>
+                        <a:t>BoTest</a:t>
+                      </a:r>
+                      <a:endParaRPr lang="en-US" sz="1200"/>
+                    </a:p>
+                  </a:txBody>
+                  <a:tcPr marL="35207" marR="35207" marT="17603" marB="17603" anchor="ctr"/>
+                </a:tc>
+                <a:tc>
+                  <a:txBody>
+                    <a:bodyPr/>
+                    <a:lstStyle/>
+                    <a:p>
+                      <a:r>
+                        <a:rPr lang="en-US" sz="1200" dirty="0"/>
+                        <a:t>Utterances for a small-talk bot</a:t>
+                      </a:r>
+                    </a:p>
+                  </a:txBody>
+                  <a:tcPr marL="35207" marR="35207" marT="17603" marB="17603" anchor="ctr"/>
+                </a:tc>
+                <a:tc>
+                  <a:txBody>
+                    <a:bodyPr/>
+                    <a:lstStyle/>
+                    <a:p>
+                      <a:r>
+                        <a:rPr lang="en-US" sz="1200"/>
+                        <a:t>Mutant input detection</a:t>
+                      </a:r>
+                    </a:p>
+                  </a:txBody>
+                  <a:tcPr marL="35207" marR="35207" marT="17603" marB="17603" anchor="ctr"/>
+                </a:tc>
+                <a:tc>
+                  <a:txBody>
+                    <a:bodyPr/>
+                    <a:lstStyle/>
+                    <a:p>
+                      <a:r>
+                        <a:rPr lang="en-US" sz="1200" dirty="0"/>
+                        <a:t>Authors craft </a:t>
+                      </a:r>
+                      <a:r>
+                        <a:rPr lang="en-US" sz="1200" dirty="0" err="1"/>
+                        <a:t>divergents</a:t>
+                      </a:r>
+                      <a:r>
+                        <a:rPr lang="en-US" sz="1200" dirty="0"/>
+                        <a:t> and tally results</a:t>
+                      </a:r>
+                    </a:p>
+                  </a:txBody>
+                  <a:tcPr marL="35207" marR="35207" marT="17603" marB="17603" anchor="ctr"/>
+                </a:tc>
+                <a:tc>
+                  <a:txBody>
+                    <a:bodyPr/>
+                    <a:lstStyle/>
+                    <a:p>
+                      <a:r>
+                        <a:rPr lang="en-US" sz="1200" dirty="0"/>
+                        <a:t>Binary pass/fail</a:t>
+                      </a:r>
+                    </a:p>
+                  </a:txBody>
+                  <a:tcPr marL="35207" marR="35207" marT="17603" marB="17603" anchor="ctr"/>
+                </a:tc>
+                <a:tc>
+                  <a:txBody>
+                    <a:bodyPr/>
+                    <a:lstStyle/>
+                    <a:p>
+                      <a:r>
+                        <a:rPr lang="en-US" sz="1200"/>
+                        <a:t>Script logic</a:t>
+                      </a:r>
+                    </a:p>
+                  </a:txBody>
+                  <a:tcPr marL="35207" marR="35207" marT="17603" marB="17603" anchor="ctr"/>
+                </a:tc>
+                <a:tc>
+                  <a:txBody>
+                    <a:bodyPr/>
+                    <a:lstStyle/>
+                    <a:p>
+                      <a:r>
+                        <a:rPr lang="en-US" sz="1200"/>
+                        <a:t>Python</a:t>
+                      </a:r>
+                    </a:p>
+                  </a:txBody>
+                  <a:tcPr marL="35207" marR="35207" marT="17603" marB="17603" anchor="ctr"/>
+                </a:tc>
+                <a:tc>
+                  <a:txBody>
+                    <a:bodyPr/>
+                    <a:lstStyle/>
+                    <a:p>
+                      <a:r>
+                        <a:rPr lang="en-US" sz="1200"/>
+                        <a:t>CLI</a:t>
+                      </a:r>
+                    </a:p>
+                  </a:txBody>
+                  <a:tcPr marL="35207" marR="35207" marT="17603" marB="17603" anchor="ctr"/>
+                </a:tc>
+                <a:tc>
+                  <a:txBody>
+                    <a:bodyPr/>
+                    <a:lstStyle/>
+                    <a:p>
+                      <a:r>
+                        <a:rPr lang="en-US" sz="1200" dirty="0"/>
+                        <a:t>Paraphrase, </a:t>
+                      </a:r>
+                    </a:p>
+                    <a:p>
+                      <a:r>
+                        <a:rPr lang="en-US" sz="1200" dirty="0"/>
+                        <a:t>Simulated-users</a:t>
+                      </a:r>
+                    </a:p>
+                  </a:txBody>
+                  <a:tcPr marL="35207" marR="35207" marT="17603" marB="17603" anchor="ctr"/>
+                </a:tc>
+                <a:extLst>
+                  <a:ext uri="{0D108BD9-81ED-4DB2-BD59-A6C34878D82A}">
+                    <a16:rowId xmlns:a16="http://schemas.microsoft.com/office/drawing/2014/main" val="1213992480"/>
+                  </a:ext>
+                </a:extLst>
+              </a:tr>
+              <a:tr h="775312">
+                <a:tc>
+                  <a:txBody>
+                    <a:bodyPr/>
+                    <a:lstStyle/>
+                    <a:p>
+                      <a:r>
+                        <a:rPr lang="en-US" sz="1200" b="1"/>
+                        <a:t>DialTest</a:t>
+                      </a:r>
+                      <a:endParaRPr lang="en-US" sz="1200"/>
+                    </a:p>
+                  </a:txBody>
+                  <a:tcPr marL="35207" marR="35207" marT="17603" marB="17603" anchor="ctr"/>
+                </a:tc>
+                <a:tc>
+                  <a:txBody>
+                    <a:bodyPr/>
+                    <a:lstStyle/>
+                    <a:p>
+                      <a:r>
+                        <a:rPr lang="fr-FR" sz="1200" dirty="0"/>
+                        <a:t>RNN dialogue </a:t>
+                      </a:r>
+                      <a:r>
+                        <a:rPr lang="fr-FR" sz="1200" dirty="0" err="1"/>
+                        <a:t>model’s</a:t>
+                      </a:r>
+                      <a:r>
+                        <a:rPr lang="fr-FR" sz="1200" dirty="0"/>
+                        <a:t> </a:t>
+                      </a:r>
+                      <a:r>
+                        <a:rPr lang="fr-FR" sz="1200" dirty="0" err="1"/>
+                        <a:t>seed</a:t>
+                      </a:r>
+                      <a:r>
+                        <a:rPr lang="fr-FR" sz="1200" dirty="0"/>
+                        <a:t> </a:t>
+                      </a:r>
+                      <a:r>
+                        <a:rPr lang="fr-FR" sz="1200" dirty="0" err="1"/>
+                        <a:t>utterances</a:t>
+                      </a:r>
+                      <a:endParaRPr lang="en-US" sz="1200" dirty="0"/>
+                    </a:p>
+                  </a:txBody>
+                  <a:tcPr marL="35207" marR="35207" marT="17603" marB="17603" anchor="ctr"/>
+                </a:tc>
+                <a:tc>
+                  <a:txBody>
+                    <a:bodyPr/>
+                    <a:lstStyle/>
+                    <a:p>
+                      <a:r>
+                        <a:rPr lang="en-US" sz="1200"/>
+                        <a:t>Coverage metrics</a:t>
+                      </a:r>
+                    </a:p>
+                  </a:txBody>
+                  <a:tcPr marL="35207" marR="35207" marT="17603" marB="17603" anchor="ctr"/>
+                </a:tc>
+                <a:tc>
+                  <a:txBody>
+                    <a:bodyPr/>
+                    <a:lstStyle/>
+                    <a:p>
+                      <a:r>
+                        <a:rPr lang="en-US" sz="1200" dirty="0"/>
+                        <a:t>Humans design operators &amp; inspect failures</a:t>
+                      </a:r>
+                    </a:p>
+                  </a:txBody>
+                  <a:tcPr marL="35207" marR="35207" marT="17603" marB="17603" anchor="ctr"/>
+                </a:tc>
+                <a:tc>
+                  <a:txBody>
+                    <a:bodyPr/>
+                    <a:lstStyle/>
+                    <a:p>
+                      <a:r>
+                        <a:rPr lang="en-US" sz="1200"/>
+                        <a:t>Numeric + coverage</a:t>
+                      </a:r>
+                    </a:p>
+                  </a:txBody>
+                  <a:tcPr marL="35207" marR="35207" marT="17603" marB="17603" anchor="ctr"/>
+                </a:tc>
+                <a:tc>
+                  <a:txBody>
+                    <a:bodyPr/>
+                    <a:lstStyle/>
+                    <a:p>
+                      <a:r>
+                        <a:rPr lang="en-US" sz="1200"/>
+                        <a:t>Script logic</a:t>
+                      </a:r>
+                    </a:p>
+                  </a:txBody>
+                  <a:tcPr marL="35207" marR="35207" marT="17603" marB="17603" anchor="ctr"/>
+                </a:tc>
+                <a:tc>
+                  <a:txBody>
+                    <a:bodyPr/>
+                    <a:lstStyle/>
+                    <a:p>
+                      <a:r>
+                        <a:rPr lang="en-US" sz="1200"/>
+                        <a:t>Python</a:t>
+                      </a:r>
+                    </a:p>
+                  </a:txBody>
+                  <a:tcPr marL="35207" marR="35207" marT="17603" marB="17603" anchor="ctr"/>
+                </a:tc>
+                <a:tc>
+                  <a:txBody>
+                    <a:bodyPr/>
+                    <a:lstStyle/>
+                    <a:p>
+                      <a:r>
+                        <a:rPr lang="en-US" sz="1200"/>
+                        <a:t>CLI</a:t>
+                      </a:r>
+                    </a:p>
+                  </a:txBody>
+                  <a:tcPr marL="35207" marR="35207" marT="17603" marB="17603" anchor="ctr"/>
+                </a:tc>
+                <a:tc>
+                  <a:txBody>
+                    <a:bodyPr/>
+                    <a:lstStyle/>
+                    <a:p>
+                      <a:r>
+                        <a:rPr lang="en-US" sz="1200" dirty="0"/>
+                        <a:t>Metamorphic, Simulated-users</a:t>
+                      </a:r>
+                    </a:p>
+                  </a:txBody>
+                  <a:tcPr marL="35207" marR="35207" marT="17603" marB="17603" anchor="ctr"/>
+                </a:tc>
+                <a:extLst>
+                  <a:ext uri="{0D108BD9-81ED-4DB2-BD59-A6C34878D82A}">
+                    <a16:rowId xmlns:a16="http://schemas.microsoft.com/office/drawing/2014/main" val="1723687451"/>
+                  </a:ext>
+                </a:extLst>
+              </a:tr>
+              <a:tr h="738093">
+                <a:tc>
+                  <a:txBody>
+                    <a:bodyPr/>
+                    <a:lstStyle/>
+                    <a:p>
+                      <a:r>
+                        <a:rPr lang="en-US" sz="1200" b="1"/>
+                        <a:t>Bottester</a:t>
+                      </a:r>
+                      <a:endParaRPr lang="en-US" sz="1200"/>
+                    </a:p>
+                  </a:txBody>
+                  <a:tcPr marL="35207" marR="35207" marT="17603" marB="17603" anchor="ctr"/>
+                </a:tc>
+                <a:tc>
+                  <a:txBody>
+                    <a:bodyPr/>
+                    <a:lstStyle/>
+                    <a:p>
+                      <a:r>
+                        <a:rPr lang="en-US" sz="1200"/>
+                        <a:t>Scripted dialogues</a:t>
+                      </a:r>
+                    </a:p>
+                  </a:txBody>
+                  <a:tcPr marL="35207" marR="35207" marT="17603" marB="17603" anchor="ctr"/>
+                </a:tc>
+                <a:tc>
+                  <a:txBody>
+                    <a:bodyPr/>
+                    <a:lstStyle/>
+                    <a:p>
+                      <a:r>
+                        <a:rPr lang="en-US" sz="1200" dirty="0"/>
+                        <a:t>Simulated chat, logs correctness, latency, repetitions</a:t>
+                      </a:r>
+                    </a:p>
+                  </a:txBody>
+                  <a:tcPr marL="35207" marR="35207" marT="17603" marB="17603" anchor="ctr"/>
+                </a:tc>
+                <a:tc>
+                  <a:txBody>
+                    <a:bodyPr/>
+                    <a:lstStyle/>
+                    <a:p>
+                      <a:r>
+                        <a:rPr lang="en-US" sz="1200" dirty="0"/>
+                        <a:t>Authors prepare scenarios; optional manual review</a:t>
+                      </a:r>
+                    </a:p>
+                  </a:txBody>
+                  <a:tcPr marL="35207" marR="35207" marT="17603" marB="17603" anchor="ctr"/>
+                </a:tc>
+                <a:tc>
+                  <a:txBody>
+                    <a:bodyPr/>
+                    <a:lstStyle/>
+                    <a:p>
+                      <a:r>
+                        <a:rPr lang="en-US" sz="1200"/>
+                        <a:t>Binary</a:t>
+                      </a:r>
+                    </a:p>
+                  </a:txBody>
+                  <a:tcPr marL="35207" marR="35207" marT="17603" marB="17603" anchor="ctr"/>
+                </a:tc>
+                <a:tc>
+                  <a:txBody>
+                    <a:bodyPr/>
+                    <a:lstStyle/>
+                    <a:p>
+                      <a:r>
+                        <a:rPr lang="en-US" sz="1200"/>
+                        <a:t>Script logic</a:t>
+                      </a:r>
+                    </a:p>
+                  </a:txBody>
+                  <a:tcPr marL="35207" marR="35207" marT="17603" marB="17603" anchor="ctr"/>
+                </a:tc>
+                <a:tc>
+                  <a:txBody>
+                    <a:bodyPr/>
+                    <a:lstStyle/>
+                    <a:p>
+                      <a:r>
+                        <a:rPr lang="en-US" sz="1200" dirty="0"/>
+                        <a:t>Python</a:t>
+                      </a:r>
+                    </a:p>
+                  </a:txBody>
+                  <a:tcPr marL="35207" marR="35207" marT="17603" marB="17603" anchor="ctr"/>
+                </a:tc>
+                <a:tc>
+                  <a:txBody>
+                    <a:bodyPr/>
+                    <a:lstStyle/>
+                    <a:p>
+                      <a:r>
+                        <a:rPr lang="en-US" sz="1200" dirty="0"/>
+                        <a:t>Desktop dashboard</a:t>
+                      </a:r>
+                    </a:p>
+                  </a:txBody>
+                  <a:tcPr marL="35207" marR="35207" marT="17603" marB="17603" anchor="ctr"/>
+                </a:tc>
+                <a:tc>
+                  <a:txBody>
+                    <a:bodyPr/>
+                    <a:lstStyle/>
+                    <a:p>
+                      <a:r>
+                        <a:rPr lang="en-US" sz="1200" dirty="0"/>
+                        <a:t>Simulated-users, </a:t>
+                      </a:r>
+                    </a:p>
+                    <a:p>
+                      <a:r>
+                        <a:rPr lang="en-US" sz="1200" dirty="0"/>
+                        <a:t>Metamorphic,</a:t>
+                      </a:r>
+                    </a:p>
+                    <a:p>
+                      <a:r>
+                        <a:rPr lang="en-US" sz="1200" dirty="0"/>
+                        <a:t>Paraphrase </a:t>
+                      </a:r>
+                    </a:p>
+                  </a:txBody>
+                  <a:tcPr marL="35207" marR="35207" marT="17603" marB="17603" anchor="ctr"/>
+                </a:tc>
+                <a:extLst>
+                  <a:ext uri="{0D108BD9-81ED-4DB2-BD59-A6C34878D82A}">
+                    <a16:rowId xmlns:a16="http://schemas.microsoft.com/office/drawing/2014/main" val="1902681122"/>
+                  </a:ext>
+                </a:extLst>
+              </a:tr>
+              <a:tr h="549624">
+                <a:tc>
+                  <a:txBody>
+                    <a:bodyPr/>
+                    <a:lstStyle/>
+                    <a:p>
+                      <a:r>
+                        <a:rPr lang="en-US" sz="1200" b="1"/>
+                        <a:t>OggyBug</a:t>
+                      </a:r>
+                      <a:endParaRPr lang="en-US" sz="1200"/>
+                    </a:p>
+                  </a:txBody>
+                  <a:tcPr marL="35207" marR="35207" marT="17603" marB="17603" anchor="ctr"/>
+                </a:tc>
+                <a:tc>
+                  <a:txBody>
+                    <a:bodyPr/>
+                    <a:lstStyle/>
+                    <a:p>
+                      <a:r>
+                        <a:rPr lang="en-US" sz="1200"/>
+                        <a:t>JSON test scenarios</a:t>
+                      </a:r>
+                    </a:p>
+                  </a:txBody>
+                  <a:tcPr marL="35207" marR="35207" marT="17603" marB="17603" anchor="ctr"/>
+                </a:tc>
+                <a:tc>
+                  <a:txBody>
+                    <a:bodyPr/>
+                    <a:lstStyle/>
+                    <a:p>
+                      <a:r>
+                        <a:rPr lang="en-US" sz="1200"/>
+                        <a:t>Assertion replay</a:t>
+                      </a:r>
+                    </a:p>
+                  </a:txBody>
+                  <a:tcPr marL="35207" marR="35207" marT="17603" marB="17603" anchor="ctr"/>
+                </a:tc>
+                <a:tc>
+                  <a:txBody>
+                    <a:bodyPr/>
+                    <a:lstStyle/>
+                    <a:p>
+                      <a:r>
+                        <a:rPr lang="en-US" sz="1200" dirty="0"/>
+                        <a:t>Staff write scenarios and set assertions</a:t>
+                      </a:r>
+                    </a:p>
+                  </a:txBody>
+                  <a:tcPr marL="35207" marR="35207" marT="17603" marB="17603" anchor="ctr"/>
+                </a:tc>
+                <a:tc>
+                  <a:txBody>
+                    <a:bodyPr/>
+                    <a:lstStyle/>
+                    <a:p>
+                      <a:r>
+                        <a:rPr lang="en-US" sz="1200"/>
+                        <a:t>Binary</a:t>
+                      </a:r>
+                    </a:p>
+                  </a:txBody>
+                  <a:tcPr marL="35207" marR="35207" marT="17603" marB="17603" anchor="ctr"/>
+                </a:tc>
+                <a:tc>
+                  <a:txBody>
+                    <a:bodyPr/>
+                    <a:lstStyle/>
+                    <a:p>
+                      <a:r>
+                        <a:rPr lang="en-US" sz="1200"/>
+                        <a:t>Script logic</a:t>
+                      </a:r>
+                    </a:p>
+                  </a:txBody>
+                  <a:tcPr marL="35207" marR="35207" marT="17603" marB="17603" anchor="ctr"/>
+                </a:tc>
+                <a:tc>
+                  <a:txBody>
+                    <a:bodyPr/>
+                    <a:lstStyle/>
+                    <a:p>
+                      <a:r>
+                        <a:rPr lang="en-US" sz="1200"/>
+                        <a:t>Python</a:t>
+                      </a:r>
+                    </a:p>
+                  </a:txBody>
+                  <a:tcPr marL="35207" marR="35207" marT="17603" marB="17603" anchor="ctr"/>
+                </a:tc>
+                <a:tc>
+                  <a:txBody>
+                    <a:bodyPr/>
+                    <a:lstStyle/>
+                    <a:p>
+                      <a:r>
+                        <a:rPr lang="en-US" sz="1200"/>
+                        <a:t>Web UI</a:t>
+                      </a:r>
+                    </a:p>
+                  </a:txBody>
+                  <a:tcPr marL="35207" marR="35207" marT="17603" marB="17603" anchor="ctr"/>
+                </a:tc>
+                <a:tc>
+                  <a:txBody>
+                    <a:bodyPr/>
+                    <a:lstStyle/>
+                    <a:p>
+                      <a:r>
+                        <a:rPr lang="en-US" sz="1200" dirty="0"/>
+                        <a:t>Simulated-users, Metamorphic</a:t>
+                      </a:r>
+                    </a:p>
+                  </a:txBody>
+                  <a:tcPr marL="35207" marR="35207" marT="17603" marB="17603" anchor="ctr"/>
+                </a:tc>
+                <a:extLst>
+                  <a:ext uri="{0D108BD9-81ED-4DB2-BD59-A6C34878D82A}">
+                    <a16:rowId xmlns:a16="http://schemas.microsoft.com/office/drawing/2014/main" val="3790213634"/>
+                  </a:ext>
+                </a:extLst>
+              </a:tr>
+            </a:tbl>
+          </a:graphicData>
+        </a:graphic>
+      </p:graphicFrame>
+      <p:sp>
+        <p:nvSpPr>
+          <p:cNvPr id="4" name="Slide Number Placeholder 3">
+            <a:extLst>
+              <a:ext uri="{FF2B5EF4-FFF2-40B4-BE49-F238E27FC236}">
+                <a16:creationId xmlns:a16="http://schemas.microsoft.com/office/drawing/2014/main" id="{A0BF1307-24B0-AA86-9CDA-DF6767C7E3E6}"/>
+              </a:ext>
+            </a:extLst>
+          </p:cNvPr>
+          <p:cNvSpPr>
+            <a:spLocks noGrp="1"/>
+          </p:cNvSpPr>
+          <p:nvPr>
+            <p:ph type="sldNum" sz="quarter" idx="12"/>
+          </p:nvPr>
+        </p:nvSpPr>
+        <p:spPr/>
+        <p:txBody>
+          <a:bodyPr/>
+          <a:lstStyle/>
+          <a:p>
+            <a:fld id="{148CC95F-0247-41B6-91CF-DC97C76A7088}" type="slidenum">
+              <a:rPr lang="en-US" smtClean="0"/>
+              <a:t>10</a:t>
+            </a:fld>
+            <a:endParaRPr lang="en-US"/>
+          </a:p>
+        </p:txBody>
+      </p:sp>
+    </p:spTree>
+    <p:extLst>
+      <p:ext uri="{BB962C8B-B14F-4D97-AF65-F5344CB8AC3E}">
+        <p14:creationId xmlns:p14="http://schemas.microsoft.com/office/powerpoint/2010/main" val="2702978074"/>
+      </p:ext>
+    </p:extLst>
+  </p:cSld>
+  <p:clrMapOvr>
+    <a:masterClrMapping/>
+  </p:clrMapOvr>
+</p:sld>
+</file>
+
+<file path=ppt/slides/slide11.xml><?xml version="1.0" encoding="utf-8"?>
+<p:sld xmlns:a="http://schemas.openxmlformats.org/drawingml/2006/main" xmlns:r="http://schemas.openxmlformats.org/officeDocument/2006/relationships" xmlns:p="http://schemas.openxmlformats.org/presentationml/2006/main">
+  <p:cSld>
+    <p:spTree>
+      <p:nvGrpSpPr>
+        <p:cNvPr id="1" name=""/>
+        <p:cNvGrpSpPr/>
+        <p:nvPr/>
+      </p:nvGrpSpPr>
+      <p:grpSpPr>
+        <a:xfrm>
+          <a:off x="0" y="0"/>
+          <a:ext cx="0" cy="0"/>
+          <a:chOff x="0" y="0"/>
+          <a:chExt cx="0" cy="0"/>
+        </a:xfrm>
+      </p:grpSpPr>
+      <p:sp>
+        <p:nvSpPr>
+          <p:cNvPr id="2" name="Title 1">
+            <a:extLst>
+              <a:ext uri="{FF2B5EF4-FFF2-40B4-BE49-F238E27FC236}">
+                <a16:creationId xmlns:a16="http://schemas.microsoft.com/office/drawing/2014/main" id="{665B9014-4897-F85C-03FE-E6A419A749CF}"/>
+              </a:ext>
+            </a:extLst>
+          </p:cNvPr>
+          <p:cNvSpPr>
+            <a:spLocks noGrp="1"/>
+          </p:cNvSpPr>
+          <p:nvPr>
+            <p:ph type="title"/>
+          </p:nvPr>
+        </p:nvSpPr>
+        <p:spPr>
+          <a:xfrm>
+            <a:off x="520700" y="699008"/>
+            <a:ext cx="11155680" cy="799592"/>
+          </a:xfrm>
+        </p:spPr>
+        <p:txBody>
+          <a:bodyPr/>
+          <a:lstStyle/>
+          <a:p>
+            <a:pPr algn="ctr"/>
+            <a:r>
+              <a:rPr lang="en-US" dirty="0"/>
+              <a:t>Gaps in Existing Frameworks</a:t>
+            </a:r>
+          </a:p>
+        </p:txBody>
+      </p:sp>
+      <p:graphicFrame>
+        <p:nvGraphicFramePr>
+          <p:cNvPr id="6" name="Content Placeholder 5">
+            <a:extLst>
+              <a:ext uri="{FF2B5EF4-FFF2-40B4-BE49-F238E27FC236}">
+                <a16:creationId xmlns:a16="http://schemas.microsoft.com/office/drawing/2014/main" id="{C651E9B4-9743-B865-12D7-27CCC768905A}"/>
+              </a:ext>
+            </a:extLst>
+          </p:cNvPr>
+          <p:cNvGraphicFramePr>
+            <a:graphicFrameLocks noGrp="1"/>
+          </p:cNvGraphicFramePr>
+          <p:nvPr>
+            <p:ph idx="1"/>
+            <p:extLst>
+              <p:ext uri="{D42A27DB-BD31-4B8C-83A1-F6EECF244321}">
+                <p14:modId xmlns:p14="http://schemas.microsoft.com/office/powerpoint/2010/main" val="2800293164"/>
+              </p:ext>
+            </p:extLst>
+          </p:nvPr>
+        </p:nvGraphicFramePr>
+        <p:xfrm>
+          <a:off x="517525" y="1498600"/>
+          <a:ext cx="11156950" cy="3767138"/>
+        </p:xfrm>
+        <a:graphic>
+          <a:graphicData uri="http://schemas.openxmlformats.org/drawingml/2006/diagram">
+            <dgm:relIds xmlns:dgm="http://schemas.openxmlformats.org/drawingml/2006/diagram" xmlns:r="http://schemas.openxmlformats.org/officeDocument/2006/relationships" r:dm="rId3" r:lo="rId4" r:qs="rId5" r:cs="rId6"/>
+          </a:graphicData>
+        </a:graphic>
+      </p:graphicFrame>
+      <p:sp>
+        <p:nvSpPr>
+          <p:cNvPr id="7" name="Hexagon 6">
+            <a:extLst>
+              <a:ext uri="{FF2B5EF4-FFF2-40B4-BE49-F238E27FC236}">
+                <a16:creationId xmlns:a16="http://schemas.microsoft.com/office/drawing/2014/main" id="{085B3E70-D4E2-E2CB-359B-9422A51C28C9}"/>
+              </a:ext>
+            </a:extLst>
+          </p:cNvPr>
+          <p:cNvSpPr/>
+          <p:nvPr/>
+        </p:nvSpPr>
+        <p:spPr>
+          <a:xfrm>
+            <a:off x="876300" y="5574792"/>
+            <a:ext cx="3289300" cy="736600"/>
+          </a:xfrm>
+          <a:prstGeom prst="hexagon">
+            <a:avLst/>
+          </a:prstGeom>
+        </p:spPr>
+        <p:style>
+          <a:lnRef idx="2">
+            <a:schemeClr val="accent6">
+              <a:shade val="15000"/>
+            </a:schemeClr>
+          </a:lnRef>
+          <a:fillRef idx="1">
+            <a:schemeClr val="accent6"/>
+          </a:fillRef>
+          <a:effectRef idx="0">
+            <a:schemeClr val="accent6"/>
+          </a:effectRef>
+          <a:fontRef idx="minor">
+            <a:schemeClr val="lt1"/>
+          </a:fontRef>
+        </p:style>
+        <p:txBody>
+          <a:bodyPr rtlCol="0" anchor="ctr"/>
+          <a:lstStyle/>
+          <a:p>
+            <a:pPr algn="ctr"/>
+            <a:r>
+              <a:rPr lang="en-US" b="1" dirty="0">
+                <a:solidFill>
+                  <a:schemeClr val="tx1"/>
+                </a:solidFill>
+              </a:rPr>
+              <a:t>Confidence-based escalation to humans</a:t>
+            </a:r>
+            <a:endParaRPr lang="en-US" dirty="0">
+              <a:solidFill>
+                <a:schemeClr val="tx1"/>
+              </a:solidFill>
+            </a:endParaRPr>
+          </a:p>
+        </p:txBody>
+      </p:sp>
+      <p:sp>
+        <p:nvSpPr>
+          <p:cNvPr id="8" name="Hexagon 7">
+            <a:extLst>
+              <a:ext uri="{FF2B5EF4-FFF2-40B4-BE49-F238E27FC236}">
+                <a16:creationId xmlns:a16="http://schemas.microsoft.com/office/drawing/2014/main" id="{0615927B-C0A4-BB83-FB7F-59DD9C986969}"/>
+              </a:ext>
+            </a:extLst>
+          </p:cNvPr>
+          <p:cNvSpPr/>
+          <p:nvPr/>
+        </p:nvSpPr>
+        <p:spPr>
+          <a:xfrm>
+            <a:off x="4451350" y="5574792"/>
+            <a:ext cx="3289300" cy="736600"/>
+          </a:xfrm>
+          <a:prstGeom prst="hexagon">
+            <a:avLst/>
+          </a:prstGeom>
+        </p:spPr>
+        <p:style>
+          <a:lnRef idx="2">
+            <a:schemeClr val="accent6">
+              <a:shade val="15000"/>
+            </a:schemeClr>
+          </a:lnRef>
+          <a:fillRef idx="1">
+            <a:schemeClr val="accent6"/>
+          </a:fillRef>
+          <a:effectRef idx="0">
+            <a:schemeClr val="accent6"/>
+          </a:effectRef>
+          <a:fontRef idx="minor">
+            <a:schemeClr val="lt1"/>
+          </a:fontRef>
+        </p:style>
+        <p:txBody>
+          <a:bodyPr rtlCol="0" anchor="ctr"/>
+          <a:lstStyle/>
+          <a:p>
+            <a:pPr algn="ctr"/>
+            <a:r>
+              <a:rPr lang="en-US" b="1" dirty="0">
+                <a:solidFill>
+                  <a:schemeClr val="tx1"/>
+                </a:solidFill>
+              </a:rPr>
+              <a:t>Persistent </a:t>
+            </a:r>
+            <a:r>
+              <a:rPr lang="en-US" b="1" dirty="0" err="1">
+                <a:solidFill>
+                  <a:schemeClr val="tx1"/>
+                </a:solidFill>
+              </a:rPr>
+              <a:t>queryable</a:t>
+            </a:r>
+            <a:r>
+              <a:rPr lang="en-US" b="1" dirty="0">
+                <a:solidFill>
+                  <a:schemeClr val="tx1"/>
+                </a:solidFill>
+              </a:rPr>
+              <a:t> test repository</a:t>
+            </a:r>
+          </a:p>
+        </p:txBody>
+      </p:sp>
+      <p:sp>
+        <p:nvSpPr>
+          <p:cNvPr id="9" name="Hexagon 8">
+            <a:extLst>
+              <a:ext uri="{FF2B5EF4-FFF2-40B4-BE49-F238E27FC236}">
+                <a16:creationId xmlns:a16="http://schemas.microsoft.com/office/drawing/2014/main" id="{D3A2EFA2-2824-1E55-E361-829F9F8980B8}"/>
+              </a:ext>
+            </a:extLst>
+          </p:cNvPr>
+          <p:cNvSpPr/>
+          <p:nvPr/>
+        </p:nvSpPr>
+        <p:spPr>
+          <a:xfrm>
+            <a:off x="8026400" y="5574792"/>
+            <a:ext cx="3289300" cy="736600"/>
+          </a:xfrm>
+          <a:prstGeom prst="hexagon">
+            <a:avLst/>
+          </a:prstGeom>
+        </p:spPr>
+        <p:style>
+          <a:lnRef idx="2">
+            <a:schemeClr val="accent6">
+              <a:shade val="15000"/>
+            </a:schemeClr>
+          </a:lnRef>
+          <a:fillRef idx="1">
+            <a:schemeClr val="accent6"/>
+          </a:fillRef>
+          <a:effectRef idx="0">
+            <a:schemeClr val="accent6"/>
+          </a:effectRef>
+          <a:fontRef idx="minor">
+            <a:schemeClr val="lt1"/>
+          </a:fontRef>
+        </p:style>
+        <p:txBody>
+          <a:bodyPr rtlCol="0" anchor="ctr"/>
+          <a:lstStyle/>
+          <a:p>
+            <a:pPr algn="ctr"/>
+            <a:r>
+              <a:rPr lang="en-US" b="1" dirty="0">
+                <a:solidFill>
+                  <a:schemeClr val="tx1"/>
+                </a:solidFill>
+              </a:rPr>
+              <a:t>Container-based scalability</a:t>
+            </a:r>
+          </a:p>
+        </p:txBody>
+      </p:sp>
+      <p:sp>
+        <p:nvSpPr>
+          <p:cNvPr id="3" name="Slide Number Placeholder 2">
+            <a:extLst>
+              <a:ext uri="{FF2B5EF4-FFF2-40B4-BE49-F238E27FC236}">
+                <a16:creationId xmlns:a16="http://schemas.microsoft.com/office/drawing/2014/main" id="{3F7C87E6-FBFC-BD5E-6389-D0BA5E173EE1}"/>
+              </a:ext>
+            </a:extLst>
+          </p:cNvPr>
+          <p:cNvSpPr>
+            <a:spLocks noGrp="1"/>
+          </p:cNvSpPr>
+          <p:nvPr>
+            <p:ph type="sldNum" sz="quarter" idx="12"/>
+          </p:nvPr>
+        </p:nvSpPr>
+        <p:spPr/>
+        <p:txBody>
+          <a:bodyPr/>
+          <a:lstStyle/>
+          <a:p>
+            <a:fld id="{148CC95F-0247-41B6-91CF-DC97C76A7088}" type="slidenum">
+              <a:rPr lang="en-US" smtClean="0"/>
+              <a:t>11</a:t>
+            </a:fld>
+            <a:endParaRPr lang="en-US"/>
+          </a:p>
+        </p:txBody>
+      </p:sp>
+    </p:spTree>
+    <p:extLst>
+      <p:ext uri="{BB962C8B-B14F-4D97-AF65-F5344CB8AC3E}">
+        <p14:creationId xmlns:p14="http://schemas.microsoft.com/office/powerpoint/2010/main" val="3259622092"/>
+      </p:ext>
+    </p:extLst>
+  </p:cSld>
+  <p:clrMapOvr>
+    <a:masterClrMapping/>
+  </p:clrMapOvr>
+</p:sld>
+</file>
+
+<file path=ppt/slides/slide12.xml><?xml version="1.0" encoding="utf-8"?>
+<p:sld xmlns:a="http://schemas.openxmlformats.org/drawingml/2006/main" xmlns:r="http://schemas.openxmlformats.org/officeDocument/2006/relationships" xmlns:p="http://schemas.openxmlformats.org/presentationml/2006/main">
+  <p:cSld>
+    <p:spTree>
+      <p:nvGrpSpPr>
+        <p:cNvPr id="1" name="">
+          <a:extLst>
+            <a:ext uri="{FF2B5EF4-FFF2-40B4-BE49-F238E27FC236}">
+              <a16:creationId xmlns:a16="http://schemas.microsoft.com/office/drawing/2014/main" id="{A2BA10C7-97FE-D9B1-89C3-DC4D15F96EED}"/>
+            </a:ext>
+          </a:extLst>
+        </p:cNvPr>
+        <p:cNvGrpSpPr/>
+        <p:nvPr/>
+      </p:nvGrpSpPr>
+      <p:grpSpPr>
+        <a:xfrm>
+          <a:off x="0" y="0"/>
+          <a:ext cx="0" cy="0"/>
+          <a:chOff x="0" y="0"/>
+          <a:chExt cx="0" cy="0"/>
+        </a:xfrm>
+      </p:grpSpPr>
+      <p:graphicFrame>
+        <p:nvGraphicFramePr>
+          <p:cNvPr id="5" name="Content Placeholder 2">
+            <a:extLst>
+              <a:ext uri="{FF2B5EF4-FFF2-40B4-BE49-F238E27FC236}">
+                <a16:creationId xmlns:a16="http://schemas.microsoft.com/office/drawing/2014/main" id="{12388175-3F1E-6FF0-B785-E96CC1A79C2F}"/>
+              </a:ext>
+            </a:extLst>
+          </p:cNvPr>
+          <p:cNvGraphicFramePr>
+            <a:graphicFrameLocks noGrp="1"/>
+          </p:cNvGraphicFramePr>
+          <p:nvPr>
+            <p:ph idx="1"/>
+            <p:extLst>
+              <p:ext uri="{D42A27DB-BD31-4B8C-83A1-F6EECF244321}">
+                <p14:modId xmlns:p14="http://schemas.microsoft.com/office/powerpoint/2010/main" val="1161323519"/>
+              </p:ext>
+            </p:extLst>
+          </p:nvPr>
+        </p:nvGraphicFramePr>
+        <p:xfrm>
+          <a:off x="320843" y="1427746"/>
+          <a:ext cx="11550314" cy="4991341"/>
+        </p:xfrm>
+        <a:graphic>
+          <a:graphicData uri="http://schemas.openxmlformats.org/drawingml/2006/diagram">
+            <dgm:relIds xmlns:dgm="http://schemas.openxmlformats.org/drawingml/2006/diagram" xmlns:r="http://schemas.openxmlformats.org/officeDocument/2006/relationships" r:dm="rId3" r:lo="rId4" r:qs="rId5" r:cs="rId6"/>
+          </a:graphicData>
+        </a:graphic>
+      </p:graphicFrame>
+      <p:sp>
+        <p:nvSpPr>
+          <p:cNvPr id="4" name="Title 1">
+            <a:extLst>
+              <a:ext uri="{FF2B5EF4-FFF2-40B4-BE49-F238E27FC236}">
+                <a16:creationId xmlns:a16="http://schemas.microsoft.com/office/drawing/2014/main" id="{D5DBF8E3-9C68-2129-9881-23CBC716FEE0}"/>
+              </a:ext>
+            </a:extLst>
+          </p:cNvPr>
+          <p:cNvSpPr txBox="1">
+            <a:spLocks/>
+          </p:cNvSpPr>
+          <p:nvPr/>
+        </p:nvSpPr>
+        <p:spPr>
+          <a:xfrm>
+            <a:off x="521208" y="811984"/>
+            <a:ext cx="11155680" cy="502827"/>
+          </a:xfrm>
+          <a:prstGeom prst="rect">
+            <a:avLst/>
+          </a:prstGeom>
+        </p:spPr>
+        <p:txBody>
+          <a:bodyPr vert="horz" lIns="91440" tIns="45720" rIns="91440" bIns="45720" rtlCol="0" anchor="t">
+            <a:normAutofit fontScale="62500" lnSpcReduction="20000"/>
+          </a:bodyPr>
+          <a:lstStyle>
+            <a:lvl1pPr algn="l" defTabSz="914400" rtl="0" eaLnBrk="1" latinLnBrk="0" hangingPunct="1">
+              <a:lnSpc>
+                <a:spcPct val="100000"/>
+              </a:lnSpc>
+              <a:spcBef>
+                <a:spcPct val="0"/>
+              </a:spcBef>
+              <a:buNone/>
+              <a:defRPr sz="4400" b="1" kern="1200">
+                <a:solidFill>
+                  <a:schemeClr val="tx1"/>
+                </a:solidFill>
+                <a:latin typeface="+mj-lt"/>
+                <a:ea typeface="+mj-ea"/>
+                <a:cs typeface="+mj-cs"/>
+              </a:defRPr>
+            </a:lvl1pPr>
+          </a:lstStyle>
+          <a:p>
+            <a:pPr algn="ctr"/>
+            <a:r>
+              <a:rPr lang="en-US" dirty="0"/>
+              <a:t>How the proposed solution, </a:t>
+            </a:r>
+            <a:r>
+              <a:rPr lang="en-US" dirty="0" err="1"/>
+              <a:t>FactBridgeAI</a:t>
+            </a:r>
+            <a:r>
+              <a:rPr lang="en-US" dirty="0"/>
+              <a:t>, solves these issues?</a:t>
+            </a:r>
+          </a:p>
+        </p:txBody>
+      </p:sp>
+      <p:sp>
+        <p:nvSpPr>
+          <p:cNvPr id="2" name="Slide Number Placeholder 1">
+            <a:extLst>
+              <a:ext uri="{FF2B5EF4-FFF2-40B4-BE49-F238E27FC236}">
+                <a16:creationId xmlns:a16="http://schemas.microsoft.com/office/drawing/2014/main" id="{0AA3E680-F1A8-D6BD-89DC-750E2EE08772}"/>
+              </a:ext>
+            </a:extLst>
+          </p:cNvPr>
+          <p:cNvSpPr>
+            <a:spLocks noGrp="1"/>
+          </p:cNvSpPr>
+          <p:nvPr>
+            <p:ph type="sldNum" sz="quarter" idx="12"/>
+          </p:nvPr>
+        </p:nvSpPr>
+        <p:spPr/>
+        <p:txBody>
+          <a:bodyPr/>
+          <a:lstStyle/>
+          <a:p>
+            <a:fld id="{148CC95F-0247-41B6-91CF-DC97C76A7088}" type="slidenum">
+              <a:rPr lang="en-US" smtClean="0"/>
+              <a:t>12</a:t>
+            </a:fld>
+            <a:endParaRPr lang="en-US"/>
+          </a:p>
+        </p:txBody>
+      </p:sp>
+    </p:spTree>
+    <p:extLst>
+      <p:ext uri="{BB962C8B-B14F-4D97-AF65-F5344CB8AC3E}">
+        <p14:creationId xmlns:p14="http://schemas.microsoft.com/office/powerpoint/2010/main" val="779687666"/>
+      </p:ext>
+    </p:extLst>
+  </p:cSld>
+  <p:clrMapOvr>
+    <a:masterClrMapping/>
+  </p:clrMapOvr>
+</p:sld>
+</file>
+
+<file path=ppt/slides/slide13.xml><?xml version="1.0" encoding="utf-8"?>
+<p:sld xmlns:a="http://schemas.openxmlformats.org/drawingml/2006/main" xmlns:r="http://schemas.openxmlformats.org/officeDocument/2006/relationships" xmlns:p="http://schemas.openxmlformats.org/presentationml/2006/main">
+  <p:cSld>
+    <p:spTree>
+      <p:nvGrpSpPr>
+        <p:cNvPr id="1" name="">
+          <a:extLst>
+            <a:ext uri="{FF2B5EF4-FFF2-40B4-BE49-F238E27FC236}">
+              <a16:creationId xmlns:a16="http://schemas.microsoft.com/office/drawing/2014/main" id="{9E2D099A-4230-6C05-D673-1B8DFAE11702}"/>
+            </a:ext>
+          </a:extLst>
+        </p:cNvPr>
+        <p:cNvGrpSpPr/>
+        <p:nvPr/>
+      </p:nvGrpSpPr>
+      <p:grpSpPr>
+        <a:xfrm>
+          <a:off x="0" y="0"/>
+          <a:ext cx="0" cy="0"/>
+          <a:chOff x="0" y="0"/>
+          <a:chExt cx="0" cy="0"/>
+        </a:xfrm>
+      </p:grpSpPr>
+      <p:graphicFrame>
+        <p:nvGraphicFramePr>
+          <p:cNvPr id="5" name="Content Placeholder 4">
+            <a:extLst>
+              <a:ext uri="{FF2B5EF4-FFF2-40B4-BE49-F238E27FC236}">
+                <a16:creationId xmlns:a16="http://schemas.microsoft.com/office/drawing/2014/main" id="{5E698103-77F1-B7FA-F71E-DE26140E7B7F}"/>
+              </a:ext>
+            </a:extLst>
+          </p:cNvPr>
+          <p:cNvGraphicFramePr>
+            <a:graphicFrameLocks noGrp="1"/>
+          </p:cNvGraphicFramePr>
+          <p:nvPr>
+            <p:ph idx="1"/>
+            <p:extLst>
+              <p:ext uri="{D42A27DB-BD31-4B8C-83A1-F6EECF244321}">
+                <p14:modId xmlns:p14="http://schemas.microsoft.com/office/powerpoint/2010/main" val="74252756"/>
               </p:ext>
             </p:extLst>
           </p:nvPr>
@@ -46116,9 +48187,26 @@
                     <a:bodyPr/>
                     <a:lstStyle/>
                     <a:p>
+                      <a:pPr marL="0" marR="0" lvl="0" indent="0" algn="l" defTabSz="914400" rtl="0" eaLnBrk="1" fontAlgn="auto" latinLnBrk="0" hangingPunct="1">
+                        <a:lnSpc>
+                          <a:spcPct val="100000"/>
+                        </a:lnSpc>
+                        <a:spcBef>
+                          <a:spcPts val="0"/>
+                        </a:spcBef>
+                        <a:spcAft>
+                          <a:spcPts val="0"/>
+                        </a:spcAft>
+                        <a:buClrTx/>
+                        <a:buSzTx/>
+                        <a:buFontTx/>
+                        <a:buNone/>
+                        <a:tabLst/>
+                        <a:defRPr/>
+                      </a:pPr>
                       <a:r>
-                        <a:rPr lang="en-US" sz="1200"/>
-                        <a:t>All samples</a:t>
+                        <a:rPr lang="en-US" sz="1200" dirty="0"/>
+                        <a:t>Write questions, craft gold answers, rate system outputs</a:t>
                       </a:r>
                     </a:p>
                   </a:txBody>
@@ -46242,8 +48330,8 @@
                     <a:lstStyle/>
                     <a:p>
                       <a:r>
-                        <a:rPr lang="en-US" sz="1200"/>
-                        <a:t>All test sets</a:t>
+                        <a:rPr lang="en-US" sz="1200" dirty="0"/>
+                        <a:t>Crowd workers rate coherence, etc.</a:t>
                       </a:r>
                     </a:p>
                   </a:txBody>
@@ -46373,8 +48461,8 @@
                     <a:lstStyle/>
                     <a:p>
                       <a:r>
-                        <a:rPr lang="en-US" sz="1200"/>
-                        <a:t>Only low-confidence</a:t>
+                        <a:rPr lang="en-US" sz="1200" dirty="0"/>
+                        <a:t>Experts curate seed claims and validate matches</a:t>
                       </a:r>
                     </a:p>
                   </a:txBody>
@@ -46425,8 +48513,8 @@
                     <a:lstStyle/>
                     <a:p>
                       <a:r>
-                        <a:rPr lang="en-US" sz="1200"/>
-                        <a:t>None</a:t>
+                        <a:rPr lang="en-US" sz="1200" dirty="0"/>
+                        <a:t>Notebook / REST demo, no full GUI</a:t>
                       </a:r>
                     </a:p>
                   </a:txBody>
@@ -46498,8 +48586,8 @@
                     <a:lstStyle/>
                     <a:p>
                       <a:r>
-                        <a:rPr lang="en-US" sz="1200"/>
-                        <a:t>All samples</a:t>
+                        <a:rPr lang="en-US" sz="1200" dirty="0"/>
+                        <a:t>Scientists design rubric and score 170 test statements</a:t>
                       </a:r>
                     </a:p>
                   </a:txBody>
@@ -46597,8 +48685,8 @@
                     <a:lstStyle/>
                     <a:p>
                       <a:r>
-                        <a:rPr lang="en-US" sz="1200"/>
-                        <a:t>None</a:t>
+                        <a:rPr lang="en-US" sz="1200" dirty="0"/>
+                        <a:t>Mutants of training set and code</a:t>
                       </a:r>
                     </a:p>
                   </a:txBody>
@@ -46623,8 +48711,8 @@
                     <a:lstStyle/>
                     <a:p>
                       <a:r>
-                        <a:rPr lang="en-US" sz="1200"/>
-                        <a:t>Initial setup</a:t>
+                        <a:rPr lang="en-US" sz="1200" dirty="0"/>
+                        <a:t>Inspect surviving mutants if needed</a:t>
                       </a:r>
                     </a:p>
                   </a:txBody>
@@ -46636,7 +48724,7 @@
                     <a:lstStyle/>
                     <a:p>
                       <a:r>
-                        <a:rPr lang="en-US" sz="1200"/>
+                        <a:rPr lang="en-US" sz="1200" dirty="0"/>
                         <a:t>Binary pass/fail</a:t>
                       </a:r>
                     </a:p>
@@ -46728,8 +48816,8 @@
                     <a:lstStyle/>
                     <a:p>
                       <a:r>
-                        <a:rPr lang="en-US" sz="1200"/>
-                        <a:t>None</a:t>
+                        <a:rPr lang="en-US" sz="1200" dirty="0"/>
+                        <a:t>Utterances for a small-talk bot</a:t>
                       </a:r>
                     </a:p>
                   </a:txBody>
@@ -46754,8 +48842,16 @@
                     <a:lstStyle/>
                     <a:p>
                       <a:r>
-                        <a:rPr lang="en-US" sz="1200"/>
-                        <a:t>Initial setup</a:t>
+                        <a:rPr lang="en-US" sz="1200" dirty="0"/>
+                        <a:t>Authors craft </a:t>
+                      </a:r>
+                      <a:r>
+                        <a:rPr lang="en-US" sz="1200" dirty="0" err="1"/>
+                        <a:t>divergents</a:t>
+                      </a:r>
+                      <a:r>
+                        <a:rPr lang="en-US" sz="1200" dirty="0"/>
+                        <a:t> and tally results</a:t>
                       </a:r>
                     </a:p>
                   </a:txBody>
@@ -46859,9 +48955,30 @@
                     <a:lstStyle/>
                     <a:p>
                       <a:r>
-                        <a:rPr lang="en-US" sz="1200"/>
-                        <a:t>None</a:t>
+                        <a:rPr lang="fr-FR" sz="1200" dirty="0"/>
+                        <a:t>RNN dialogue </a:t>
                       </a:r>
+                      <a:r>
+                        <a:rPr lang="fr-FR" sz="1200" dirty="0" err="1"/>
+                        <a:t>model’s</a:t>
+                      </a:r>
+                      <a:r>
+                        <a:rPr lang="fr-FR" sz="1200" dirty="0"/>
+                        <a:t> </a:t>
+                      </a:r>
+                      <a:r>
+                        <a:rPr lang="fr-FR" sz="1200" dirty="0" err="1"/>
+                        <a:t>seed</a:t>
+                      </a:r>
+                      <a:r>
+                        <a:rPr lang="fr-FR" sz="1200" dirty="0"/>
+                        <a:t> </a:t>
+                      </a:r>
+                      <a:r>
+                        <a:rPr lang="fr-FR" sz="1200" dirty="0" err="1"/>
+                        <a:t>utterances</a:t>
+                      </a:r>
+                      <a:endParaRPr lang="en-US" sz="1200" dirty="0"/>
                     </a:p>
                   </a:txBody>
                   <a:tcPr marL="35207" marR="35207" marT="17603" marB="17603" anchor="ctr"/>
@@ -46885,8 +49002,8 @@
                     <a:lstStyle/>
                     <a:p>
                       <a:r>
-                        <a:rPr lang="en-US" sz="1200"/>
-                        <a:t>Only for edge cases</a:t>
+                        <a:rPr lang="en-US" sz="1200" dirty="0"/>
+                        <a:t>Humans design operators &amp; inspect failures</a:t>
                       </a:r>
                     </a:p>
                   </a:txBody>
@@ -46997,8 +49114,8 @@
                     <a:lstStyle/>
                     <a:p>
                       <a:r>
-                        <a:rPr lang="en-US" sz="1200"/>
-                        <a:t>Simulated users</a:t>
+                        <a:rPr lang="en-US" sz="1200" dirty="0"/>
+                        <a:t>Simulated chat, logs correctness, latency, repetitions</a:t>
                       </a:r>
                     </a:p>
                   </a:txBody>
@@ -47010,8 +49127,8 @@
                     <a:lstStyle/>
                     <a:p>
                       <a:r>
-                        <a:rPr lang="en-US" sz="1200"/>
-                        <a:t>Failure triage only</a:t>
+                        <a:rPr lang="en-US" sz="1200" dirty="0"/>
+                        <a:t>Authors prepare scenarios; optional manual review</a:t>
                       </a:r>
                     </a:p>
                   </a:txBody>
@@ -47062,8 +49179,8 @@
                     <a:lstStyle/>
                     <a:p>
                       <a:r>
-                        <a:rPr lang="en-US" sz="1200"/>
-                        <a:t>None</a:t>
+                        <a:rPr lang="en-US" sz="1200" dirty="0"/>
+                        <a:t>Desktop dashboard</a:t>
                       </a:r>
                     </a:p>
                   </a:txBody>
@@ -47147,8 +49264,8 @@
                     <a:lstStyle/>
                     <a:p>
                       <a:r>
-                        <a:rPr lang="en-US" sz="1200"/>
-                        <a:t>Initial setup</a:t>
+                        <a:rPr lang="en-US" sz="1200" dirty="0"/>
+                        <a:t>Staff write scenarios and set assertions</a:t>
                       </a:r>
                     </a:p>
                   </a:txBody>
@@ -47232,10 +49349,18 @@
                     <a:lstStyle/>
                     <a:p>
                       <a:r>
-                        <a:rPr lang="en-US" sz="1200" b="1"/>
+                        <a:rPr lang="en-US" sz="1200" b="1" dirty="0" err="1">
+                          <a:solidFill>
+                            <a:schemeClr val="accent4"/>
+                          </a:solidFill>
+                        </a:rPr>
                         <a:t>FactBridgeAI</a:t>
                       </a:r>
-                      <a:endParaRPr lang="en-US" sz="1200"/>
+                      <a:endParaRPr lang="en-US" sz="1200" dirty="0">
+                        <a:solidFill>
+                          <a:schemeClr val="accent4"/>
+                        </a:solidFill>
+                      </a:endParaRPr>
                     </a:p>
                   </a:txBody>
                   <a:tcPr marL="35207" marR="35207" marT="17603" marB="17603" anchor="ctr"/>
@@ -47246,7 +49371,11 @@
                     <a:lstStyle/>
                     <a:p>
                       <a:r>
-                        <a:rPr lang="en-US" sz="1200" dirty="0"/>
+                        <a:rPr lang="en-US" sz="1200" dirty="0">
+                          <a:solidFill>
+                            <a:schemeClr val="accent4"/>
+                          </a:solidFill>
+                        </a:rPr>
                         <a:t>User test cases</a:t>
                       </a:r>
                     </a:p>
@@ -47259,7 +49388,11 @@
                     <a:lstStyle/>
                     <a:p>
                       <a:r>
-                        <a:rPr lang="en-US" sz="1200"/>
+                        <a:rPr lang="en-US" sz="1200" dirty="0">
+                          <a:solidFill>
+                            <a:schemeClr val="accent4"/>
+                          </a:solidFill>
+                        </a:rPr>
                         <a:t>LLM scoring + filter</a:t>
                       </a:r>
                     </a:p>
@@ -47272,7 +49405,11 @@
                     <a:lstStyle/>
                     <a:p>
                       <a:r>
-                        <a:rPr lang="en-US" sz="1200"/>
+                        <a:rPr lang="en-US" sz="1200" dirty="0">
+                          <a:solidFill>
+                            <a:schemeClr val="accent4"/>
+                          </a:solidFill>
+                        </a:rPr>
                         <a:t>Only low-confidence</a:t>
                       </a:r>
                     </a:p>
@@ -47285,7 +49422,11 @@
                     <a:lstStyle/>
                     <a:p>
                       <a:r>
-                        <a:rPr lang="en-US" sz="1200"/>
+                        <a:rPr lang="en-US" sz="1200" dirty="0">
+                          <a:solidFill>
+                            <a:schemeClr val="accent4"/>
+                          </a:solidFill>
+                        </a:rPr>
                         <a:t>Graded + confidence level</a:t>
                       </a:r>
                     </a:p>
@@ -47298,7 +49439,11 @@
                     <a:lstStyle/>
                     <a:p>
                       <a:r>
-                        <a:rPr lang="en-US" sz="1200"/>
+                        <a:rPr lang="en-US" sz="1200" dirty="0">
+                          <a:solidFill>
+                            <a:schemeClr val="accent4"/>
+                          </a:solidFill>
+                        </a:rPr>
                         <a:t>LLM + Human-in-loop</a:t>
                       </a:r>
                     </a:p>
@@ -47311,7 +49456,11 @@
                     <a:lstStyle/>
                     <a:p>
                       <a:r>
-                        <a:rPr lang="en-US" sz="1200" dirty="0"/>
+                        <a:rPr lang="en-US" sz="1200" dirty="0">
+                          <a:solidFill>
+                            <a:schemeClr val="accent4"/>
+                          </a:solidFill>
+                        </a:rPr>
                         <a:t>Next.js + Docker</a:t>
                       </a:r>
                     </a:p>
@@ -47325,7 +49474,11 @@
                     <a:p>
                       <a:pPr rtl="0"/>
                       <a:r>
-                        <a:rPr lang="en-US" sz="1200" dirty="0"/>
+                        <a:rPr lang="en-US" sz="1200" dirty="0">
+                          <a:solidFill>
+                            <a:schemeClr val="accent4"/>
+                          </a:solidFill>
+                        </a:rPr>
                         <a:t>Web UI</a:t>
                       </a:r>
                     </a:p>
@@ -47338,7 +49491,11 @@
                     <a:lstStyle/>
                     <a:p>
                       <a:r>
-                        <a:rPr lang="en-US" sz="1200" dirty="0"/>
+                        <a:rPr lang="en-US" sz="1200" dirty="0">
+                          <a:solidFill>
+                            <a:schemeClr val="accent4"/>
+                          </a:solidFill>
+                        </a:rPr>
                         <a:t>All except AI Planning (supports 4 of 5 types)</a:t>
                       </a:r>
                     </a:p>
@@ -47360,7 +49517,7 @@
           <p:cNvPr id="4" name="Slide Number Placeholder 3">
             <a:extLst>
               <a:ext uri="{FF2B5EF4-FFF2-40B4-BE49-F238E27FC236}">
-                <a16:creationId xmlns:a16="http://schemas.microsoft.com/office/drawing/2014/main" id="{A0BF1307-24B0-AA86-9CDA-DF6767C7E3E6}"/>
+                <a16:creationId xmlns:a16="http://schemas.microsoft.com/office/drawing/2014/main" id="{EC29CD20-C79F-3795-DD2C-C480D1D2B61C}"/>
               </a:ext>
             </a:extLst>
           </p:cNvPr>
@@ -47378,7 +49535,7 @@
           <a:p>
             <a:fld id="{148CC95F-0247-41B6-91CF-DC97C76A7088}" type="slidenum">
               <a:rPr lang="en-US" smtClean="0"/>
-              <a:t>10</a:t>
+              <a:t>13</a:t>
             </a:fld>
             <a:endParaRPr lang="en-US"/>
           </a:p>
@@ -47387,7 +49544,7 @@
     </p:spTree>
     <p:extLst>
       <p:ext uri="{BB962C8B-B14F-4D97-AF65-F5344CB8AC3E}">
-        <p14:creationId xmlns:p14="http://schemas.microsoft.com/office/powerpoint/2010/main" val="2702978074"/>
+        <p14:creationId xmlns:p14="http://schemas.microsoft.com/office/powerpoint/2010/main" val="3507398118"/>
       </p:ext>
     </p:extLst>
   </p:cSld>
@@ -47397,470 +49554,7 @@
 </p:sld>
 </file>
 
-<file path=ppt/slides/slide11.xml><?xml version="1.0" encoding="utf-8"?>
-<p:sld xmlns:a="http://schemas.openxmlformats.org/drawingml/2006/main" xmlns:r="http://schemas.openxmlformats.org/officeDocument/2006/relationships" xmlns:p="http://schemas.openxmlformats.org/presentationml/2006/main">
-  <p:cSld>
-    <p:spTree>
-      <p:nvGrpSpPr>
-        <p:cNvPr id="1" name=""/>
-        <p:cNvGrpSpPr/>
-        <p:nvPr/>
-      </p:nvGrpSpPr>
-      <p:grpSpPr>
-        <a:xfrm>
-          <a:off x="0" y="0"/>
-          <a:ext cx="0" cy="0"/>
-          <a:chOff x="0" y="0"/>
-          <a:chExt cx="0" cy="0"/>
-        </a:xfrm>
-      </p:grpSpPr>
-      <p:sp>
-        <p:nvSpPr>
-          <p:cNvPr id="2" name="Title 1">
-            <a:extLst>
-              <a:ext uri="{FF2B5EF4-FFF2-40B4-BE49-F238E27FC236}">
-                <a16:creationId xmlns:a16="http://schemas.microsoft.com/office/drawing/2014/main" id="{665B9014-4897-F85C-03FE-E6A419A749CF}"/>
-              </a:ext>
-            </a:extLst>
-          </p:cNvPr>
-          <p:cNvSpPr>
-            <a:spLocks noGrp="1"/>
-          </p:cNvSpPr>
-          <p:nvPr>
-            <p:ph type="title"/>
-          </p:nvPr>
-        </p:nvSpPr>
-        <p:spPr>
-          <a:xfrm>
-            <a:off x="520700" y="699008"/>
-            <a:ext cx="11155680" cy="799592"/>
-          </a:xfrm>
-        </p:spPr>
-        <p:txBody>
-          <a:bodyPr/>
-          <a:lstStyle/>
-          <a:p>
-            <a:pPr algn="ctr"/>
-            <a:r>
-              <a:rPr lang="en-US" dirty="0"/>
-              <a:t>Gaps in Existing Frameworks</a:t>
-            </a:r>
-          </a:p>
-        </p:txBody>
-      </p:sp>
-      <p:graphicFrame>
-        <p:nvGraphicFramePr>
-          <p:cNvPr id="6" name="Content Placeholder 5">
-            <a:extLst>
-              <a:ext uri="{FF2B5EF4-FFF2-40B4-BE49-F238E27FC236}">
-                <a16:creationId xmlns:a16="http://schemas.microsoft.com/office/drawing/2014/main" id="{C651E9B4-9743-B865-12D7-27CCC768905A}"/>
-              </a:ext>
-            </a:extLst>
-          </p:cNvPr>
-          <p:cNvGraphicFramePr>
-            <a:graphicFrameLocks noGrp="1"/>
-          </p:cNvGraphicFramePr>
-          <p:nvPr>
-            <p:ph idx="1"/>
-            <p:extLst>
-              <p:ext uri="{D42A27DB-BD31-4B8C-83A1-F6EECF244321}">
-                <p14:modId xmlns:p14="http://schemas.microsoft.com/office/powerpoint/2010/main" val="1879081448"/>
-              </p:ext>
-            </p:extLst>
-          </p:nvPr>
-        </p:nvGraphicFramePr>
-        <p:xfrm>
-          <a:off x="517525" y="1498600"/>
-          <a:ext cx="11156950" cy="3767138"/>
-        </p:xfrm>
-        <a:graphic>
-          <a:graphicData uri="http://schemas.openxmlformats.org/drawingml/2006/diagram">
-            <dgm:relIds xmlns:dgm="http://schemas.openxmlformats.org/drawingml/2006/diagram" xmlns:r="http://schemas.openxmlformats.org/officeDocument/2006/relationships" r:dm="rId3" r:lo="rId4" r:qs="rId5" r:cs="rId6"/>
-          </a:graphicData>
-        </a:graphic>
-      </p:graphicFrame>
-      <p:sp>
-        <p:nvSpPr>
-          <p:cNvPr id="7" name="Hexagon 6">
-            <a:extLst>
-              <a:ext uri="{FF2B5EF4-FFF2-40B4-BE49-F238E27FC236}">
-                <a16:creationId xmlns:a16="http://schemas.microsoft.com/office/drawing/2014/main" id="{085B3E70-D4E2-E2CB-359B-9422A51C28C9}"/>
-              </a:ext>
-            </a:extLst>
-          </p:cNvPr>
-          <p:cNvSpPr/>
-          <p:nvPr/>
-        </p:nvSpPr>
-        <p:spPr>
-          <a:xfrm>
-            <a:off x="876300" y="5574792"/>
-            <a:ext cx="3289300" cy="736600"/>
-          </a:xfrm>
-          <a:prstGeom prst="hexagon">
-            <a:avLst/>
-          </a:prstGeom>
-        </p:spPr>
-        <p:style>
-          <a:lnRef idx="2">
-            <a:schemeClr val="accent6">
-              <a:shade val="15000"/>
-            </a:schemeClr>
-          </a:lnRef>
-          <a:fillRef idx="1">
-            <a:schemeClr val="accent6"/>
-          </a:fillRef>
-          <a:effectRef idx="0">
-            <a:schemeClr val="accent6"/>
-          </a:effectRef>
-          <a:fontRef idx="minor">
-            <a:schemeClr val="lt1"/>
-          </a:fontRef>
-        </p:style>
-        <p:txBody>
-          <a:bodyPr rtlCol="0" anchor="ctr"/>
-          <a:lstStyle/>
-          <a:p>
-            <a:pPr algn="ctr"/>
-            <a:r>
-              <a:rPr lang="en-US" b="1" dirty="0">
-                <a:solidFill>
-                  <a:schemeClr val="tx1"/>
-                </a:solidFill>
-              </a:rPr>
-              <a:t>Confidence-based escalation to humans</a:t>
-            </a:r>
-            <a:endParaRPr lang="en-US" dirty="0">
-              <a:solidFill>
-                <a:schemeClr val="tx1"/>
-              </a:solidFill>
-            </a:endParaRPr>
-          </a:p>
-        </p:txBody>
-      </p:sp>
-      <p:sp>
-        <p:nvSpPr>
-          <p:cNvPr id="8" name="Hexagon 7">
-            <a:extLst>
-              <a:ext uri="{FF2B5EF4-FFF2-40B4-BE49-F238E27FC236}">
-                <a16:creationId xmlns:a16="http://schemas.microsoft.com/office/drawing/2014/main" id="{0615927B-C0A4-BB83-FB7F-59DD9C986969}"/>
-              </a:ext>
-            </a:extLst>
-          </p:cNvPr>
-          <p:cNvSpPr/>
-          <p:nvPr/>
-        </p:nvSpPr>
-        <p:spPr>
-          <a:xfrm>
-            <a:off x="4451350" y="5574792"/>
-            <a:ext cx="3289300" cy="736600"/>
-          </a:xfrm>
-          <a:prstGeom prst="hexagon">
-            <a:avLst/>
-          </a:prstGeom>
-        </p:spPr>
-        <p:style>
-          <a:lnRef idx="2">
-            <a:schemeClr val="accent6">
-              <a:shade val="15000"/>
-            </a:schemeClr>
-          </a:lnRef>
-          <a:fillRef idx="1">
-            <a:schemeClr val="accent6"/>
-          </a:fillRef>
-          <a:effectRef idx="0">
-            <a:schemeClr val="accent6"/>
-          </a:effectRef>
-          <a:fontRef idx="minor">
-            <a:schemeClr val="lt1"/>
-          </a:fontRef>
-        </p:style>
-        <p:txBody>
-          <a:bodyPr rtlCol="0" anchor="ctr"/>
-          <a:lstStyle/>
-          <a:p>
-            <a:pPr algn="ctr"/>
-            <a:r>
-              <a:rPr lang="en-US" b="1" dirty="0">
-                <a:solidFill>
-                  <a:schemeClr val="tx1"/>
-                </a:solidFill>
-              </a:rPr>
-              <a:t>Versioned, </a:t>
-            </a:r>
-            <a:r>
-              <a:rPr lang="en-US" b="1" dirty="0" err="1">
-                <a:solidFill>
-                  <a:schemeClr val="tx1"/>
-                </a:solidFill>
-              </a:rPr>
-              <a:t>queryable</a:t>
-            </a:r>
-            <a:r>
-              <a:rPr lang="en-US" b="1" dirty="0">
-                <a:solidFill>
-                  <a:schemeClr val="tx1"/>
-                </a:solidFill>
-              </a:rPr>
-              <a:t> test repository</a:t>
-            </a:r>
-          </a:p>
-        </p:txBody>
-      </p:sp>
-      <p:sp>
-        <p:nvSpPr>
-          <p:cNvPr id="9" name="Hexagon 8">
-            <a:extLst>
-              <a:ext uri="{FF2B5EF4-FFF2-40B4-BE49-F238E27FC236}">
-                <a16:creationId xmlns:a16="http://schemas.microsoft.com/office/drawing/2014/main" id="{D3A2EFA2-2824-1E55-E361-829F9F8980B8}"/>
-              </a:ext>
-            </a:extLst>
-          </p:cNvPr>
-          <p:cNvSpPr/>
-          <p:nvPr/>
-        </p:nvSpPr>
-        <p:spPr>
-          <a:xfrm>
-            <a:off x="8026400" y="5574792"/>
-            <a:ext cx="3289300" cy="736600"/>
-          </a:xfrm>
-          <a:prstGeom prst="hexagon">
-            <a:avLst/>
-          </a:prstGeom>
-        </p:spPr>
-        <p:style>
-          <a:lnRef idx="2">
-            <a:schemeClr val="accent6">
-              <a:shade val="15000"/>
-            </a:schemeClr>
-          </a:lnRef>
-          <a:fillRef idx="1">
-            <a:schemeClr val="accent6"/>
-          </a:fillRef>
-          <a:effectRef idx="0">
-            <a:schemeClr val="accent6"/>
-          </a:effectRef>
-          <a:fontRef idx="minor">
-            <a:schemeClr val="lt1"/>
-          </a:fontRef>
-        </p:style>
-        <p:txBody>
-          <a:bodyPr rtlCol="0" anchor="ctr"/>
-          <a:lstStyle/>
-          <a:p>
-            <a:pPr algn="ctr"/>
-            <a:r>
-              <a:rPr lang="en-US" b="1" dirty="0">
-                <a:solidFill>
-                  <a:schemeClr val="tx1"/>
-                </a:solidFill>
-              </a:rPr>
-              <a:t>Container-based reproducibility</a:t>
-            </a:r>
-          </a:p>
-        </p:txBody>
-      </p:sp>
-      <p:sp>
-        <p:nvSpPr>
-          <p:cNvPr id="3" name="Slide Number Placeholder 2">
-            <a:extLst>
-              <a:ext uri="{FF2B5EF4-FFF2-40B4-BE49-F238E27FC236}">
-                <a16:creationId xmlns:a16="http://schemas.microsoft.com/office/drawing/2014/main" id="{3F7C87E6-FBFC-BD5E-6389-D0BA5E173EE1}"/>
-              </a:ext>
-            </a:extLst>
-          </p:cNvPr>
-          <p:cNvSpPr>
-            <a:spLocks noGrp="1"/>
-          </p:cNvSpPr>
-          <p:nvPr>
-            <p:ph type="sldNum" sz="quarter" idx="12"/>
-          </p:nvPr>
-        </p:nvSpPr>
-        <p:spPr/>
-        <p:txBody>
-          <a:bodyPr/>
-          <a:lstStyle/>
-          <a:p>
-            <a:fld id="{148CC95F-0247-41B6-91CF-DC97C76A7088}" type="slidenum">
-              <a:rPr lang="en-US" smtClean="0"/>
-              <a:t>11</a:t>
-            </a:fld>
-            <a:endParaRPr lang="en-US"/>
-          </a:p>
-        </p:txBody>
-      </p:sp>
-    </p:spTree>
-    <p:extLst>
-      <p:ext uri="{BB962C8B-B14F-4D97-AF65-F5344CB8AC3E}">
-        <p14:creationId xmlns:p14="http://schemas.microsoft.com/office/powerpoint/2010/main" val="3259622092"/>
-      </p:ext>
-    </p:extLst>
-  </p:cSld>
-  <p:clrMapOvr>
-    <a:masterClrMapping/>
-  </p:clrMapOvr>
-</p:sld>
-</file>
-
-<file path=ppt/slides/slide12.xml><?xml version="1.0" encoding="utf-8"?>
-<p:sld xmlns:a="http://schemas.openxmlformats.org/drawingml/2006/main" xmlns:r="http://schemas.openxmlformats.org/officeDocument/2006/relationships" xmlns:p="http://schemas.openxmlformats.org/presentationml/2006/main">
-  <p:cSld>
-    <p:spTree>
-      <p:nvGrpSpPr>
-        <p:cNvPr id="1" name="">
-          <a:extLst>
-            <a:ext uri="{FF2B5EF4-FFF2-40B4-BE49-F238E27FC236}">
-              <a16:creationId xmlns:a16="http://schemas.microsoft.com/office/drawing/2014/main" id="{A2BA10C7-97FE-D9B1-89C3-DC4D15F96EED}"/>
-            </a:ext>
-          </a:extLst>
-        </p:cNvPr>
-        <p:cNvGrpSpPr/>
-        <p:nvPr/>
-      </p:nvGrpSpPr>
-      <p:grpSpPr>
-        <a:xfrm>
-          <a:off x="0" y="0"/>
-          <a:ext cx="0" cy="0"/>
-          <a:chOff x="0" y="0"/>
-          <a:chExt cx="0" cy="0"/>
-        </a:xfrm>
-      </p:grpSpPr>
-      <p:graphicFrame>
-        <p:nvGraphicFramePr>
-          <p:cNvPr id="5" name="Content Placeholder 2">
-            <a:extLst>
-              <a:ext uri="{FF2B5EF4-FFF2-40B4-BE49-F238E27FC236}">
-                <a16:creationId xmlns:a16="http://schemas.microsoft.com/office/drawing/2014/main" id="{12388175-3F1E-6FF0-B785-E96CC1A79C2F}"/>
-              </a:ext>
-            </a:extLst>
-          </p:cNvPr>
-          <p:cNvGraphicFramePr>
-            <a:graphicFrameLocks noGrp="1"/>
-          </p:cNvGraphicFramePr>
-          <p:nvPr>
-            <p:ph idx="1"/>
-            <p:extLst>
-              <p:ext uri="{D42A27DB-BD31-4B8C-83A1-F6EECF244321}">
-                <p14:modId xmlns:p14="http://schemas.microsoft.com/office/powerpoint/2010/main" val="3477644437"/>
-              </p:ext>
-            </p:extLst>
-          </p:nvPr>
-        </p:nvGraphicFramePr>
-        <p:xfrm>
-          <a:off x="320843" y="1427746"/>
-          <a:ext cx="11550314" cy="4991341"/>
-        </p:xfrm>
-        <a:graphic>
-          <a:graphicData uri="http://schemas.openxmlformats.org/drawingml/2006/diagram">
-            <dgm:relIds xmlns:dgm="http://schemas.openxmlformats.org/drawingml/2006/diagram" xmlns:r="http://schemas.openxmlformats.org/officeDocument/2006/relationships" r:dm="rId3" r:lo="rId4" r:qs="rId5" r:cs="rId6"/>
-          </a:graphicData>
-        </a:graphic>
-      </p:graphicFrame>
-      <p:sp>
-        <p:nvSpPr>
-          <p:cNvPr id="4" name="Title 1">
-            <a:extLst>
-              <a:ext uri="{FF2B5EF4-FFF2-40B4-BE49-F238E27FC236}">
-                <a16:creationId xmlns:a16="http://schemas.microsoft.com/office/drawing/2014/main" id="{D5DBF8E3-9C68-2129-9881-23CBC716FEE0}"/>
-              </a:ext>
-            </a:extLst>
-          </p:cNvPr>
-          <p:cNvSpPr txBox="1">
-            <a:spLocks/>
-          </p:cNvSpPr>
-          <p:nvPr/>
-        </p:nvSpPr>
-        <p:spPr>
-          <a:xfrm>
-            <a:off x="521208" y="811984"/>
-            <a:ext cx="11155680" cy="502827"/>
-          </a:xfrm>
-          <a:prstGeom prst="rect">
-            <a:avLst/>
-          </a:prstGeom>
-        </p:spPr>
-        <p:txBody>
-          <a:bodyPr vert="horz" lIns="91440" tIns="45720" rIns="91440" bIns="45720" rtlCol="0" anchor="t">
-            <a:normAutofit fontScale="62500" lnSpcReduction="20000"/>
-          </a:bodyPr>
-          <a:lstStyle>
-            <a:lvl1pPr algn="l" defTabSz="914400" rtl="0" eaLnBrk="1" latinLnBrk="0" hangingPunct="1">
-              <a:lnSpc>
-                <a:spcPct val="100000"/>
-              </a:lnSpc>
-              <a:spcBef>
-                <a:spcPct val="0"/>
-              </a:spcBef>
-              <a:buNone/>
-              <a:defRPr sz="4400" b="1" kern="1200">
-                <a:solidFill>
-                  <a:schemeClr val="tx1"/>
-                </a:solidFill>
-                <a:latin typeface="+mj-lt"/>
-                <a:ea typeface="+mj-ea"/>
-                <a:cs typeface="+mj-cs"/>
-              </a:defRPr>
-            </a:lvl1pPr>
-          </a:lstStyle>
-          <a:p>
-            <a:pPr algn="ctr"/>
-            <a:r>
-              <a:rPr lang="en-US" dirty="0"/>
-              <a:t>How the proposed solution, </a:t>
-            </a:r>
-            <a:r>
-              <a:rPr lang="en-US" dirty="0" err="1"/>
-              <a:t>FactBridgeAI</a:t>
-            </a:r>
-            <a:r>
-              <a:rPr lang="en-US" dirty="0"/>
-              <a:t>, solves these issues?</a:t>
-            </a:r>
-          </a:p>
-        </p:txBody>
-      </p:sp>
-      <p:sp>
-        <p:nvSpPr>
-          <p:cNvPr id="2" name="Slide Number Placeholder 1">
-            <a:extLst>
-              <a:ext uri="{FF2B5EF4-FFF2-40B4-BE49-F238E27FC236}">
-                <a16:creationId xmlns:a16="http://schemas.microsoft.com/office/drawing/2014/main" id="{0AA3E680-F1A8-D6BD-89DC-750E2EE08772}"/>
-              </a:ext>
-            </a:extLst>
-          </p:cNvPr>
-          <p:cNvSpPr>
-            <a:spLocks noGrp="1"/>
-          </p:cNvSpPr>
-          <p:nvPr>
-            <p:ph type="sldNum" sz="quarter" idx="12"/>
-          </p:nvPr>
-        </p:nvSpPr>
-        <p:spPr/>
-        <p:txBody>
-          <a:bodyPr/>
-          <a:lstStyle/>
-          <a:p>
-            <a:fld id="{148CC95F-0247-41B6-91CF-DC97C76A7088}" type="slidenum">
-              <a:rPr lang="en-US" smtClean="0"/>
-              <a:t>12</a:t>
-            </a:fld>
-            <a:endParaRPr lang="en-US"/>
-          </a:p>
-        </p:txBody>
-      </p:sp>
-    </p:spTree>
-    <p:extLst>
-      <p:ext uri="{BB962C8B-B14F-4D97-AF65-F5344CB8AC3E}">
-        <p14:creationId xmlns:p14="http://schemas.microsoft.com/office/powerpoint/2010/main" val="779687666"/>
-      </p:ext>
-    </p:extLst>
-  </p:cSld>
-  <p:clrMapOvr>
-    <a:masterClrMapping/>
-  </p:clrMapOvr>
-</p:sld>
-</file>
-
-<file path=ppt/slides/slide13.xml><?xml version="1.0" encoding="utf-8"?>
+<file path=ppt/slides/slide14.xml><?xml version="1.0" encoding="utf-8"?>
 <p:sld xmlns:a="http://schemas.openxmlformats.org/drawingml/2006/main" xmlns:r="http://schemas.openxmlformats.org/officeDocument/2006/relationships" xmlns:p="http://schemas.openxmlformats.org/presentationml/2006/main">
   <p:cSld>
     <p:spTree>
@@ -47927,7 +49621,7 @@
             <p:ph idx="1"/>
             <p:extLst>
               <p:ext uri="{D42A27DB-BD31-4B8C-83A1-F6EECF244321}">
-                <p14:modId xmlns:p14="http://schemas.microsoft.com/office/powerpoint/2010/main" val="3536526604"/>
+                <p14:modId xmlns:p14="http://schemas.microsoft.com/office/powerpoint/2010/main" val="2376819614"/>
               </p:ext>
             </p:extLst>
           </p:nvPr>
@@ -47965,7 +49659,7 @@
           <a:p>
             <a:fld id="{148CC95F-0247-41B6-91CF-DC97C76A7088}" type="slidenum">
               <a:rPr lang="en-US" smtClean="0"/>
-              <a:t>13</a:t>
+              <a:t>14</a:t>
             </a:fld>
             <a:endParaRPr lang="en-US"/>
           </a:p>
@@ -47984,17 +49678,9 @@
 </p:sld>
 </file>
 
-<file path=ppt/slides/slide14.xml><?xml version="1.0" encoding="utf-8"?>
+<file path=ppt/slides/slide15.xml><?xml version="1.0" encoding="utf-8"?>
 <p:sld xmlns:a="http://schemas.openxmlformats.org/drawingml/2006/main" xmlns:r="http://schemas.openxmlformats.org/officeDocument/2006/relationships" xmlns:p="http://schemas.openxmlformats.org/presentationml/2006/main">
   <p:cSld>
-    <p:bg>
-      <p:bgPr>
-        <a:solidFill>
-          <a:schemeClr val="bg1"/>
-        </a:solidFill>
-        <a:effectLst/>
-      </p:bgPr>
-    </p:bg>
     <p:spTree>
       <p:nvGrpSpPr>
         <p:cNvPr id="1" name=""/>
@@ -48009,121 +49695,119 @@
           <a:chExt cx="0" cy="0"/>
         </a:xfrm>
       </p:grpSpPr>
-      <p:sp useBgFill="1">
+      <p:sp>
         <p:nvSpPr>
-          <p:cNvPr id="8" name="Rectangle 7">
+          <p:cNvPr id="2" name="Title 1">
             <a:extLst>
               <a:ext uri="{FF2B5EF4-FFF2-40B4-BE49-F238E27FC236}">
-                <a16:creationId xmlns:a16="http://schemas.microsoft.com/office/drawing/2014/main" id="{EEF92585-7A99-6108-9663-8C59032742EC}"/>
+                <a16:creationId xmlns:a16="http://schemas.microsoft.com/office/drawing/2014/main" id="{B5ED876C-E095-29A6-EE97-97993B670D90}"/>
+              </a:ext>
+            </a:extLst>
+          </p:cNvPr>
+          <p:cNvSpPr>
+            <a:spLocks noGrp="1"/>
+          </p:cNvSpPr>
+          <p:nvPr>
+            <p:ph type="title"/>
+          </p:nvPr>
+        </p:nvSpPr>
+        <p:spPr>
+          <a:xfrm>
+            <a:off x="521208" y="2159508"/>
+            <a:ext cx="11155680" cy="1463040"/>
+          </a:xfrm>
+        </p:spPr>
+        <p:txBody>
+          <a:bodyPr>
+            <a:normAutofit/>
+          </a:bodyPr>
+          <a:lstStyle/>
+          <a:p>
+            <a:pPr algn="ctr"/>
+            <a:r>
+              <a:rPr lang="en-US" sz="7200" dirty="0"/>
+              <a:t>Thank you</a:t>
+            </a:r>
+          </a:p>
+        </p:txBody>
+      </p:sp>
+      <p:sp>
+        <p:nvSpPr>
+          <p:cNvPr id="3" name="Content Placeholder 2">
+            <a:extLst>
+              <a:ext uri="{FF2B5EF4-FFF2-40B4-BE49-F238E27FC236}">
+                <a16:creationId xmlns:a16="http://schemas.microsoft.com/office/drawing/2014/main" id="{369BC0B7-6332-3A68-4243-2B199EF214D5}"/>
+              </a:ext>
+            </a:extLst>
+          </p:cNvPr>
+          <p:cNvSpPr>
+            <a:spLocks noGrp="1"/>
+          </p:cNvSpPr>
+          <p:nvPr>
+            <p:ph idx="1"/>
+          </p:nvPr>
+        </p:nvSpPr>
+        <p:spPr>
+          <a:xfrm>
+            <a:off x="521208" y="4416552"/>
+            <a:ext cx="11155680" cy="1929383"/>
+          </a:xfrm>
+        </p:spPr>
+        <p:txBody>
+          <a:bodyPr/>
+          <a:lstStyle/>
+          <a:p>
+            <a:endParaRPr lang="en-US" dirty="0"/>
+          </a:p>
+        </p:txBody>
+      </p:sp>
+      <p:sp>
+        <p:nvSpPr>
+          <p:cNvPr id="4" name="Slide Number Placeholder 3">
+            <a:extLst>
+              <a:ext uri="{FF2B5EF4-FFF2-40B4-BE49-F238E27FC236}">
+                <a16:creationId xmlns:a16="http://schemas.microsoft.com/office/drawing/2014/main" id="{3956F88F-EEA1-2DAC-1D5D-029D0EE33C9D}"/>
+              </a:ext>
+            </a:extLst>
+          </p:cNvPr>
+          <p:cNvSpPr>
+            <a:spLocks noGrp="1"/>
+          </p:cNvSpPr>
+          <p:nvPr>
+            <p:ph type="sldNum" sz="quarter" idx="12"/>
+          </p:nvPr>
+        </p:nvSpPr>
+        <p:spPr/>
+        <p:txBody>
+          <a:bodyPr/>
+          <a:lstStyle/>
+          <a:p>
+            <a:fld id="{148CC95F-0247-41B6-91CF-DC97C76A7088}" type="slidenum">
+              <a:rPr lang="en-US" smtClean="0"/>
+              <a:t>15</a:t>
+            </a:fld>
+            <a:endParaRPr lang="en-US"/>
+          </a:p>
+        </p:txBody>
+      </p:sp>
+      <p:sp>
+        <p:nvSpPr>
+          <p:cNvPr id="6" name="Freeform: Shape 5">
+            <a:extLst>
+              <a:ext uri="{FF2B5EF4-FFF2-40B4-BE49-F238E27FC236}">
+                <a16:creationId xmlns:a16="http://schemas.microsoft.com/office/drawing/2014/main" id="{6E0F7CCE-4ADA-9449-506E-81D317349C3E}"/>
               </a:ext>
               <a:ext uri="{C183D7F6-B498-43B3-948B-1728B52AA6E4}">
                 <adec:decorative xmlns:adec="http://schemas.microsoft.com/office/drawing/2017/decorative" val="1"/>
               </a:ext>
             </a:extLst>
           </p:cNvPr>
-          <p:cNvSpPr>
-            <a:spLocks noGrp="1" noRot="1" noChangeAspect="1" noMove="1" noResize="1" noEditPoints="1" noAdjustHandles="1" noChangeArrowheads="1" noChangeShapeType="1" noTextEdit="1"/>
-          </p:cNvSpPr>
-          <p:nvPr>
-            <p:extLst>
-              <p:ext uri="{386F3935-93C4-4BCD-93E2-E3B085C9AB24}">
-                <p16:designElem xmlns:p16="http://schemas.microsoft.com/office/powerpoint/2015/main" val="1"/>
-              </p:ext>
-            </p:extLst>
-          </p:nvPr>
+          <p:cNvSpPr/>
+          <p:nvPr/>
         </p:nvSpPr>
         <p:spPr>
           <a:xfrm>
-            <a:off x="0" y="0"/>
-            <a:ext cx="12192000" cy="6857995"/>
-          </a:xfrm>
-          <a:prstGeom prst="rect">
-            <a:avLst/>
-          </a:prstGeom>
-          <a:ln>
-            <a:noFill/>
-          </a:ln>
-        </p:spPr>
-        <p:style>
-          <a:lnRef idx="2">
-            <a:schemeClr val="accent1">
-              <a:shade val="50000"/>
-            </a:schemeClr>
-          </a:lnRef>
-          <a:fillRef idx="1">
-            <a:schemeClr val="accent1"/>
-          </a:fillRef>
-          <a:effectRef idx="0">
-            <a:schemeClr val="accent1"/>
-          </a:effectRef>
-          <a:fontRef idx="minor">
-            <a:schemeClr val="lt1"/>
-          </a:fontRef>
-        </p:style>
-        <p:txBody>
-          <a:bodyPr rtlCol="0" anchor="ctr"/>
-          <a:lstStyle/>
-          <a:p>
-            <a:pPr marL="0" marR="0" lvl="0" indent="0" algn="ctr" defTabSz="914400" rtl="0" eaLnBrk="1" fontAlgn="auto" latinLnBrk="0" hangingPunct="1">
-              <a:lnSpc>
-                <a:spcPct val="100000"/>
-              </a:lnSpc>
-              <a:spcBef>
-                <a:spcPts val="0"/>
-              </a:spcBef>
-              <a:spcAft>
-                <a:spcPts val="0"/>
-              </a:spcAft>
-              <a:buClrTx/>
-              <a:buSzTx/>
-              <a:buFontTx/>
-              <a:buNone/>
-              <a:tabLst/>
-              <a:defRPr/>
-            </a:pPr>
-            <a:endParaRPr kumimoji="0" lang="en-US" sz="1800" b="0" i="0" u="none" strike="noStrike" kern="1200" cap="none" spc="0" normalizeH="0" baseline="0" noProof="0">
-              <a:ln>
-                <a:noFill/>
-              </a:ln>
-              <a:solidFill>
-                <a:prstClr val="white"/>
-              </a:solidFill>
-              <a:effectLst/>
-              <a:uLnTx/>
-              <a:uFillTx/>
-              <a:latin typeface="Bierstadt"/>
-              <a:ea typeface="+mn-ea"/>
-              <a:cs typeface="+mn-cs"/>
-            </a:endParaRPr>
-          </a:p>
-        </p:txBody>
-      </p:sp>
-      <p:sp>
-        <p:nvSpPr>
-          <p:cNvPr id="10" name="Freeform: Shape 9">
-            <a:extLst>
-              <a:ext uri="{FF2B5EF4-FFF2-40B4-BE49-F238E27FC236}">
-                <a16:creationId xmlns:a16="http://schemas.microsoft.com/office/drawing/2014/main" id="{C6D5B03A-B780-A698-DFA9-C9932F22DDD0}"/>
-              </a:ext>
-              <a:ext uri="{C183D7F6-B498-43B3-948B-1728B52AA6E4}">
-                <adec:decorative xmlns:adec="http://schemas.microsoft.com/office/drawing/2017/decorative" val="1"/>
-              </a:ext>
-            </a:extLst>
-          </p:cNvPr>
-          <p:cNvSpPr>
-            <a:spLocks noGrp="1" noRot="1" noChangeAspect="1" noMove="1" noResize="1" noEditPoints="1" noAdjustHandles="1" noChangeArrowheads="1" noChangeShapeType="1" noTextEdit="1"/>
-          </p:cNvSpPr>
-          <p:nvPr>
-            <p:extLst>
-              <p:ext uri="{386F3935-93C4-4BCD-93E2-E3B085C9AB24}">
-                <p16:designElem xmlns:p16="http://schemas.microsoft.com/office/powerpoint/2015/main" val="1"/>
-              </p:ext>
-            </p:extLst>
-          </p:nvPr>
-        </p:nvSpPr>
-        <p:spPr>
-          <a:xfrm>
-            <a:off x="523845" y="3079474"/>
+            <a:off x="517869" y="3568790"/>
             <a:ext cx="11153214" cy="149279"/>
           </a:xfrm>
           <a:custGeom>
@@ -48201,125 +49885,61 @@
           </a:bodyPr>
           <a:lstStyle/>
           <a:p>
-            <a:pPr marL="0" marR="0" lvl="0" indent="0" algn="ctr" defTabSz="914400" rtl="0" eaLnBrk="1" fontAlgn="auto" latinLnBrk="0" hangingPunct="1">
-              <a:lnSpc>
-                <a:spcPct val="100000"/>
-              </a:lnSpc>
-              <a:spcBef>
-                <a:spcPts val="0"/>
-              </a:spcBef>
-              <a:spcAft>
-                <a:spcPts val="0"/>
-              </a:spcAft>
-              <a:buClrTx/>
-              <a:buSzTx/>
-              <a:buFontTx/>
-              <a:buNone/>
-              <a:tabLst/>
-              <a:defRPr/>
-            </a:pPr>
-            <a:endParaRPr kumimoji="0" lang="en-US" sz="1800" b="0" i="0" u="none" strike="noStrike" kern="1200" cap="none" spc="0" normalizeH="0" baseline="0" noProof="0">
-              <a:ln>
-                <a:noFill/>
-              </a:ln>
-              <a:solidFill>
-                <a:prstClr val="white"/>
-              </a:solidFill>
-              <a:effectLst/>
-              <a:uLnTx/>
-              <a:uFillTx/>
-              <a:latin typeface="Bierstadt"/>
-              <a:ea typeface="+mn-ea"/>
-              <a:cs typeface="+mn-cs"/>
-            </a:endParaRPr>
-          </a:p>
-        </p:txBody>
-      </p:sp>
-      <p:sp>
-        <p:nvSpPr>
-          <p:cNvPr id="2" name="Title 1">
-            <a:extLst>
-              <a:ext uri="{FF2B5EF4-FFF2-40B4-BE49-F238E27FC236}">
-                <a16:creationId xmlns:a16="http://schemas.microsoft.com/office/drawing/2014/main" id="{58D24DBD-00CE-C046-6CAA-0A8D98E88240}"/>
-              </a:ext>
-            </a:extLst>
-          </p:cNvPr>
-          <p:cNvSpPr>
-            <a:spLocks noGrp="1"/>
-          </p:cNvSpPr>
-          <p:nvPr>
-            <p:ph type="title"/>
-          </p:nvPr>
-        </p:nvSpPr>
-        <p:spPr>
-          <a:xfrm>
-            <a:off x="521208" y="1325880"/>
-            <a:ext cx="11155680" cy="1408176"/>
-          </a:xfrm>
-        </p:spPr>
-        <p:txBody>
-          <a:bodyPr anchor="b">
-            <a:normAutofit/>
-          </a:bodyPr>
-          <a:lstStyle/>
-          <a:p>
-            <a:r>
-              <a:rPr lang="en-US" sz="6800" dirty="0"/>
-              <a:t>Thank you</a:t>
-            </a:r>
-          </a:p>
-        </p:txBody>
-      </p:sp>
-      <p:sp>
-        <p:nvSpPr>
-          <p:cNvPr id="4" name="Content Placeholder 3">
-            <a:extLst>
-              <a:ext uri="{FF2B5EF4-FFF2-40B4-BE49-F238E27FC236}">
-                <a16:creationId xmlns:a16="http://schemas.microsoft.com/office/drawing/2014/main" id="{988F6472-3792-0B75-120E-EF7FB2EF8B82}"/>
-              </a:ext>
-            </a:extLst>
-          </p:cNvPr>
-          <p:cNvSpPr>
-            <a:spLocks noGrp="1"/>
-          </p:cNvSpPr>
-          <p:nvPr>
-            <p:ph idx="1"/>
-          </p:nvPr>
-        </p:nvSpPr>
-        <p:spPr/>
-        <p:txBody>
-          <a:bodyPr/>
-          <a:lstStyle/>
-          <a:p>
+            <a:pPr algn="ctr"/>
             <a:endParaRPr lang="en-US"/>
           </a:p>
         </p:txBody>
       </p:sp>
       <p:sp>
         <p:nvSpPr>
-          <p:cNvPr id="3" name="Slide Number Placeholder 2">
+          <p:cNvPr id="7" name="Rectangle 6">
             <a:extLst>
               <a:ext uri="{FF2B5EF4-FFF2-40B4-BE49-F238E27FC236}">
-                <a16:creationId xmlns:a16="http://schemas.microsoft.com/office/drawing/2014/main" id="{EA303F43-1376-0B78-72C0-35B4BB29CCE4}"/>
+                <a16:creationId xmlns:a16="http://schemas.microsoft.com/office/drawing/2014/main" id="{D2B1768A-FE9D-3EAD-D3A0-B935E1C8FCB2}"/>
               </a:ext>
             </a:extLst>
           </p:cNvPr>
-          <p:cNvSpPr>
-            <a:spLocks noGrp="1"/>
-          </p:cNvSpPr>
-          <p:nvPr>
-            <p:ph type="sldNum" sz="quarter" idx="12"/>
-          </p:nvPr>
+          <p:cNvSpPr/>
+          <p:nvPr/>
         </p:nvSpPr>
-        <p:spPr/>
+        <p:spPr>
+          <a:xfrm>
+            <a:off x="279400" y="165100"/>
+            <a:ext cx="11633200" cy="1333500"/>
+          </a:xfrm>
+          <a:prstGeom prst="rect">
+            <a:avLst/>
+          </a:prstGeom>
+          <a:solidFill>
+            <a:schemeClr val="bg1"/>
+          </a:solidFill>
+          <a:ln>
+            <a:solidFill>
+              <a:schemeClr val="bg1"/>
+            </a:solidFill>
+          </a:ln>
+        </p:spPr>
+        <p:style>
+          <a:lnRef idx="2">
+            <a:schemeClr val="accent1">
+              <a:shade val="15000"/>
+            </a:schemeClr>
+          </a:lnRef>
+          <a:fillRef idx="1">
+            <a:schemeClr val="accent1"/>
+          </a:fillRef>
+          <a:effectRef idx="0">
+            <a:schemeClr val="accent1"/>
+          </a:effectRef>
+          <a:fontRef idx="minor">
+            <a:schemeClr val="lt1"/>
+          </a:fontRef>
+        </p:style>
         <p:txBody>
-          <a:bodyPr/>
+          <a:bodyPr rtlCol="0" anchor="ctr"/>
           <a:lstStyle/>
           <a:p>
-            <a:fld id="{148CC95F-0247-41B6-91CF-DC97C76A7088}" type="slidenum">
-              <a:rPr lang="en-US" smtClean="0"/>
-              <a:t>14</a:t>
-            </a:fld>
+            <a:pPr algn="ctr"/>
             <a:endParaRPr lang="en-US"/>
           </a:p>
         </p:txBody>
@@ -48327,16 +49947,13 @@
     </p:spTree>
     <p:extLst>
       <p:ext uri="{BB962C8B-B14F-4D97-AF65-F5344CB8AC3E}">
-        <p14:creationId xmlns:p14="http://schemas.microsoft.com/office/powerpoint/2010/main" val="1772587254"/>
+        <p14:creationId xmlns:p14="http://schemas.microsoft.com/office/powerpoint/2010/main" val="1186403126"/>
       </p:ext>
     </p:extLst>
   </p:cSld>
   <p:clrMapOvr>
-    <a:overrideClrMapping bg1="dk1" tx1="lt1" bg2="dk2" tx2="lt2" accent1="accent1" accent2="accent2" accent3="accent3" accent4="accent4" accent5="accent5" accent6="accent6" hlink="hlink" folHlink="folHlink"/>
+    <a:masterClrMapping/>
   </p:clrMapOvr>
-  <p:transition>
-    <p:fade/>
-  </p:transition>
 </p:sld>
 </file>
 
